--- a/approximate counting/approximate counting and sampling.pptx
+++ b/approximate counting/approximate counting and sampling.pptx
@@ -3432,7 +3432,7 @@
             </a:r>
           </a:p>
           <a:p>
-            <a:endParaRPr lang="en-US" altLang="zh-CN" dirty="0"/>
+            <a:endParaRPr lang="en-US" altLang="zh-CN" dirty="0" smtClean="0"/>
           </a:p>
           <a:p>
             <a:endParaRPr lang="en-US" altLang="zh-CN" dirty="0" smtClean="0"/>
@@ -3452,8 +3452,33 @@
             </a:pPr>
             <a:r>
               <a:rPr lang="en-US" altLang="zh-CN" sz="2000" dirty="0" smtClean="0"/>
-              <a:t>In fact it’s enough to set the δ</a:t>
-            </a:r>
+              <a:t>In fact it’s enough to set the </a:t>
+            </a:r>
+            <a:r>
+              <a:rPr lang="en-US" altLang="zh-CN" sz="2000" dirty="0" smtClean="0"/>
+              <a:t>δ to ¼</a:t>
+            </a:r>
+            <a:r>
+              <a:rPr lang="zh-CN" altLang="en-US" sz="2000" dirty="0" smtClean="0"/>
+              <a:t>，</a:t>
+            </a:r>
+            <a:r>
+              <a:rPr lang="en-US" altLang="zh-CN" sz="2000" dirty="0" smtClean="0"/>
+              <a:t>because we can use </a:t>
+            </a:r>
+            <a:r>
+              <a:rPr lang="en-US" altLang="zh-CN" sz="2000" dirty="0" smtClean="0">
+                <a:solidFill>
+                  <a:srgbClr val="FF0000"/>
+                </a:solidFill>
+              </a:rPr>
+              <a:t>boosting</a:t>
+            </a:r>
+          </a:p>
+          <a:p>
+            <a:pPr marL="0" indent="0">
+              <a:buNone/>
+            </a:pPr>
             <a:endParaRPr lang="zh-CN" altLang="en-US" sz="2000" dirty="0"/>
           </a:p>
           <a:p>
@@ -3498,8 +3523,72 @@
         </p:blipFill>
         <p:spPr bwMode="auto">
           <a:xfrm>
-            <a:off x="107504" y="908720"/>
+            <a:off x="107504" y="980728"/>
             <a:ext cx="8886747" cy="1872208"/>
+          </a:xfrm>
+          <a:prstGeom prst="rect">
+            <a:avLst/>
+          </a:prstGeom>
+          <a:noFill/>
+          <a:ln>
+            <a:noFill/>
+          </a:ln>
+          <a:effectLst/>
+          <a:extLst>
+            <a:ext uri="{909E8E84-426E-40DD-AFC4-6F175D3DCCD1}">
+              <a14:hiddenFill xmlns:a14="http://schemas.microsoft.com/office/drawing/2010/main">
+                <a:solidFill>
+                  <a:schemeClr val="accent1"/>
+                </a:solidFill>
+              </a14:hiddenFill>
+            </a:ext>
+            <a:ext uri="{91240B29-F687-4F45-9708-019B960494DF}">
+              <a14:hiddenLine xmlns:a14="http://schemas.microsoft.com/office/drawing/2010/main" w="9525">
+                <a:solidFill>
+                  <a:schemeClr val="tx1"/>
+                </a:solidFill>
+                <a:miter lim="800000"/>
+                <a:headEnd/>
+                <a:tailEnd/>
+              </a14:hiddenLine>
+            </a:ext>
+            <a:ext uri="{AF507438-7753-43E0-B8FC-AC1667EBCBE1}">
+              <a14:hiddenEffects xmlns:a14="http://schemas.microsoft.com/office/drawing/2010/main">
+                <a:effectLst>
+                  <a:outerShdw dist="35921" dir="2700000" algn="ctr" rotWithShape="0">
+                    <a:schemeClr val="bg2"/>
+                  </a:outerShdw>
+                </a:effectLst>
+              </a14:hiddenEffects>
+            </a:ext>
+          </a:extLst>
+        </p:spPr>
+      </p:pic>
+      <p:pic>
+        <p:nvPicPr>
+          <p:cNvPr id="2" name="Picture 2"/>
+          <p:cNvPicPr>
+            <a:picLocks noChangeAspect="1" noChangeArrowheads="1"/>
+          </p:cNvPicPr>
+          <p:nvPr/>
+        </p:nvPicPr>
+        <p:blipFill>
+          <a:blip r:embed="rId3">
+            <a:extLst>
+              <a:ext uri="{28A0092B-C50C-407E-A947-70E740481C1C}">
+                <a14:useLocalDpi xmlns:a14="http://schemas.microsoft.com/office/drawing/2010/main" val="0"/>
+              </a:ext>
+            </a:extLst>
+          </a:blip>
+          <a:srcRect/>
+          <a:stretch>
+            <a:fillRect/>
+          </a:stretch>
+        </p:blipFill>
+        <p:spPr bwMode="auto">
+          <a:xfrm>
+            <a:off x="689918" y="3306123"/>
+            <a:ext cx="7554489" cy="3652891"/>
           </a:xfrm>
           <a:prstGeom prst="rect">
             <a:avLst/>

--- a/approximate counting/approximate counting and sampling.pptx
+++ b/approximate counting/approximate counting and sampling.pptx
@@ -8,7 +8,10 @@
     <p:sldId id="256" r:id="rId2"/>
     <p:sldId id="257" r:id="rId3"/>
     <p:sldId id="259" r:id="rId4"/>
-    <p:sldId id="258" r:id="rId5"/>
+    <p:sldId id="262" r:id="rId5"/>
+    <p:sldId id="260" r:id="rId6"/>
+    <p:sldId id="261" r:id="rId7"/>
+    <p:sldId id="263" r:id="rId8"/>
   </p:sldIdLst>
   <p:sldSz cx="9144000" cy="6858000" type="screen4x3"/>
   <p:notesSz cx="6858000" cy="9144000"/>
@@ -291,7 +294,7 @@
           <a:p>
             <a:fld id="{530820CF-B880-4189-942D-D702A7CBA730}" type="datetimeFigureOut">
               <a:rPr lang="zh-CN" altLang="en-US" smtClean="0"/>
-              <a:t>2012/12/11</a:t>
+              <a:t>2012/12/12</a:t>
             </a:fld>
             <a:endParaRPr lang="zh-CN" altLang="en-US"/>
           </a:p>
@@ -456,7 +459,7 @@
           <a:p>
             <a:fld id="{530820CF-B880-4189-942D-D702A7CBA730}" type="datetimeFigureOut">
               <a:rPr lang="zh-CN" altLang="en-US" smtClean="0"/>
-              <a:t>2012/12/11</a:t>
+              <a:t>2012/12/12</a:t>
             </a:fld>
             <a:endParaRPr lang="zh-CN" altLang="en-US"/>
           </a:p>
@@ -631,7 +634,7 @@
           <a:p>
             <a:fld id="{530820CF-B880-4189-942D-D702A7CBA730}" type="datetimeFigureOut">
               <a:rPr lang="zh-CN" altLang="en-US" smtClean="0"/>
-              <a:t>2012/12/11</a:t>
+              <a:t>2012/12/12</a:t>
             </a:fld>
             <a:endParaRPr lang="zh-CN" altLang="en-US"/>
           </a:p>
@@ -796,7 +799,7 @@
           <a:p>
             <a:fld id="{530820CF-B880-4189-942D-D702A7CBA730}" type="datetimeFigureOut">
               <a:rPr lang="zh-CN" altLang="en-US" smtClean="0"/>
-              <a:t>2012/12/11</a:t>
+              <a:t>2012/12/12</a:t>
             </a:fld>
             <a:endParaRPr lang="zh-CN" altLang="en-US"/>
           </a:p>
@@ -1037,7 +1040,7 @@
           <a:p>
             <a:fld id="{530820CF-B880-4189-942D-D702A7CBA730}" type="datetimeFigureOut">
               <a:rPr lang="zh-CN" altLang="en-US" smtClean="0"/>
-              <a:t>2012/12/11</a:t>
+              <a:t>2012/12/12</a:t>
             </a:fld>
             <a:endParaRPr lang="zh-CN" altLang="en-US"/>
           </a:p>
@@ -1320,7 +1323,7 @@
           <a:p>
             <a:fld id="{530820CF-B880-4189-942D-D702A7CBA730}" type="datetimeFigureOut">
               <a:rPr lang="zh-CN" altLang="en-US" smtClean="0"/>
-              <a:t>2012/12/11</a:t>
+              <a:t>2012/12/12</a:t>
             </a:fld>
             <a:endParaRPr lang="zh-CN" altLang="en-US"/>
           </a:p>
@@ -1737,7 +1740,7 @@
           <a:p>
             <a:fld id="{530820CF-B880-4189-942D-D702A7CBA730}" type="datetimeFigureOut">
               <a:rPr lang="zh-CN" altLang="en-US" smtClean="0"/>
-              <a:t>2012/12/11</a:t>
+              <a:t>2012/12/12</a:t>
             </a:fld>
             <a:endParaRPr lang="zh-CN" altLang="en-US"/>
           </a:p>
@@ -1850,7 +1853,7 @@
           <a:p>
             <a:fld id="{530820CF-B880-4189-942D-D702A7CBA730}" type="datetimeFigureOut">
               <a:rPr lang="zh-CN" altLang="en-US" smtClean="0"/>
-              <a:t>2012/12/11</a:t>
+              <a:t>2012/12/12</a:t>
             </a:fld>
             <a:endParaRPr lang="zh-CN" altLang="en-US"/>
           </a:p>
@@ -1940,7 +1943,7 @@
           <a:p>
             <a:fld id="{530820CF-B880-4189-942D-D702A7CBA730}" type="datetimeFigureOut">
               <a:rPr lang="zh-CN" altLang="en-US" smtClean="0"/>
-              <a:t>2012/12/11</a:t>
+              <a:t>2012/12/12</a:t>
             </a:fld>
             <a:endParaRPr lang="zh-CN" altLang="en-US"/>
           </a:p>
@@ -2212,7 +2215,7 @@
           <a:p>
             <a:fld id="{530820CF-B880-4189-942D-D702A7CBA730}" type="datetimeFigureOut">
               <a:rPr lang="zh-CN" altLang="en-US" smtClean="0"/>
-              <a:t>2012/12/11</a:t>
+              <a:t>2012/12/12</a:t>
             </a:fld>
             <a:endParaRPr lang="zh-CN" altLang="en-US"/>
           </a:p>
@@ -2460,7 +2463,7 @@
           <a:p>
             <a:fld id="{530820CF-B880-4189-942D-D702A7CBA730}" type="datetimeFigureOut">
               <a:rPr lang="zh-CN" altLang="en-US" smtClean="0"/>
-              <a:t>2012/12/11</a:t>
+              <a:t>2012/12/12</a:t>
             </a:fld>
             <a:endParaRPr lang="zh-CN" altLang="en-US"/>
           </a:p>
@@ -2668,7 +2671,7 @@
           <a:p>
             <a:fld id="{530820CF-B880-4189-942D-D702A7CBA730}" type="datetimeFigureOut">
               <a:rPr lang="zh-CN" altLang="en-US" smtClean="0"/>
-              <a:t>2012/12/11</a:t>
+              <a:t>2012/12/12</a:t>
             </a:fld>
             <a:endParaRPr lang="zh-CN" altLang="en-US"/>
           </a:p>
@@ -3452,11 +3455,7 @@
             </a:pPr>
             <a:r>
               <a:rPr lang="en-US" altLang="zh-CN" sz="2000" dirty="0" smtClean="0"/>
-              <a:t>In fact it’s enough to set the </a:t>
-            </a:r>
-            <a:r>
-              <a:rPr lang="en-US" altLang="zh-CN" sz="2000" dirty="0" smtClean="0"/>
-              <a:t>δ to ¼</a:t>
+              <a:t>In fact it’s enough to set the δ to ¼</a:t>
             </a:r>
             <a:r>
               <a:rPr lang="zh-CN" altLang="en-US" sz="2000" dirty="0" smtClean="0"/>
@@ -3631,7 +3630,7 @@
     </p:spTree>
     <p:extLst>
       <p:ext uri="{BB962C8B-B14F-4D97-AF65-F5344CB8AC3E}">
-        <p14:creationId xmlns:p14="http://schemas.microsoft.com/office/powerpoint/2010/main" val="1579202330"/>
+        <p14:creationId xmlns:p14="http://schemas.microsoft.com/office/powerpoint/2010/main" val="30608259"/>
       </p:ext>
     </p:extLst>
   </p:cSld>
@@ -3645,6 +3644,547 @@
       </p:par>
     </p:tnLst>
   </p:timing>
+</p:sld>
+</file>
+
+<file path=ppt/slides/slide5.xml><?xml version="1.0" encoding="utf-8"?>
+<p:sld xmlns:a="http://schemas.openxmlformats.org/drawingml/2006/main" xmlns:r="http://schemas.openxmlformats.org/officeDocument/2006/relationships" xmlns:p="http://schemas.openxmlformats.org/presentationml/2006/main">
+  <p:cSld>
+    <p:spTree>
+      <p:nvGrpSpPr>
+        <p:cNvPr id="1" name=""/>
+        <p:cNvGrpSpPr/>
+        <p:nvPr/>
+      </p:nvGrpSpPr>
+      <p:grpSpPr>
+        <a:xfrm>
+          <a:off x="0" y="0"/>
+          <a:ext cx="0" cy="0"/>
+          <a:chOff x="0" y="0"/>
+          <a:chExt cx="0" cy="0"/>
+        </a:xfrm>
+      </p:grpSpPr>
+      <p:sp>
+        <p:nvSpPr>
+          <p:cNvPr id="3" name="内容占位符 2"/>
+          <p:cNvSpPr>
+            <a:spLocks noGrp="1"/>
+          </p:cNvSpPr>
+          <p:nvPr>
+            <p:ph idx="1"/>
+          </p:nvPr>
+        </p:nvSpPr>
+        <p:spPr>
+          <a:xfrm>
+            <a:off x="457200" y="260648"/>
+            <a:ext cx="8229600" cy="5865515"/>
+          </a:xfrm>
+        </p:spPr>
+        <p:txBody>
+          <a:bodyPr/>
+          <a:lstStyle/>
+          <a:p>
+            <a:r>
+              <a:rPr lang="en-US" altLang="zh-CN" dirty="0" smtClean="0"/>
+              <a:t>FPAUS</a:t>
+            </a:r>
+            <a:endParaRPr lang="zh-CN" altLang="en-US" dirty="0"/>
+          </a:p>
+        </p:txBody>
+      </p:sp>
+      <p:pic>
+        <p:nvPicPr>
+          <p:cNvPr id="1026" name="Picture 2"/>
+          <p:cNvPicPr>
+            <a:picLocks noChangeAspect="1" noChangeArrowheads="1"/>
+          </p:cNvPicPr>
+          <p:nvPr/>
+        </p:nvPicPr>
+        <p:blipFill>
+          <a:blip r:embed="rId2">
+            <a:extLst>
+              <a:ext uri="{28A0092B-C50C-407E-A947-70E740481C1C}">
+                <a14:useLocalDpi xmlns:a14="http://schemas.microsoft.com/office/drawing/2010/main" val="0"/>
+              </a:ext>
+            </a:extLst>
+          </a:blip>
+          <a:srcRect/>
+          <a:stretch>
+            <a:fillRect/>
+          </a:stretch>
+        </p:blipFill>
+        <p:spPr bwMode="auto">
+          <a:xfrm>
+            <a:off x="0" y="1916832"/>
+            <a:ext cx="8964488" cy="3057205"/>
+          </a:xfrm>
+          <a:prstGeom prst="rect">
+            <a:avLst/>
+          </a:prstGeom>
+          <a:noFill/>
+          <a:ln>
+            <a:noFill/>
+          </a:ln>
+          <a:effectLst/>
+          <a:extLst>
+            <a:ext uri="{909E8E84-426E-40DD-AFC4-6F175D3DCCD1}">
+              <a14:hiddenFill xmlns:a14="http://schemas.microsoft.com/office/drawing/2010/main">
+                <a:solidFill>
+                  <a:schemeClr val="accent1"/>
+                </a:solidFill>
+              </a14:hiddenFill>
+            </a:ext>
+            <a:ext uri="{91240B29-F687-4F45-9708-019B960494DF}">
+              <a14:hiddenLine xmlns:a14="http://schemas.microsoft.com/office/drawing/2010/main" w="9525">
+                <a:solidFill>
+                  <a:schemeClr val="tx1"/>
+                </a:solidFill>
+                <a:miter lim="800000"/>
+                <a:headEnd/>
+                <a:tailEnd/>
+              </a14:hiddenLine>
+            </a:ext>
+            <a:ext uri="{AF507438-7753-43E0-B8FC-AC1667EBCBE1}">
+              <a14:hiddenEffects xmlns:a14="http://schemas.microsoft.com/office/drawing/2010/main">
+                <a:effectLst>
+                  <a:outerShdw dist="35921" dir="2700000" algn="ctr" rotWithShape="0">
+                    <a:schemeClr val="bg2"/>
+                  </a:outerShdw>
+                </a:effectLst>
+              </a14:hiddenEffects>
+            </a:ext>
+          </a:extLst>
+        </p:spPr>
+      </p:pic>
+    </p:spTree>
+    <p:extLst>
+      <p:ext uri="{BB962C8B-B14F-4D97-AF65-F5344CB8AC3E}">
+        <p14:creationId xmlns:p14="http://schemas.microsoft.com/office/powerpoint/2010/main" val="4179629578"/>
+      </p:ext>
+    </p:extLst>
+  </p:cSld>
+  <p:clrMapOvr>
+    <a:masterClrMapping/>
+  </p:clrMapOvr>
+  <p:timing>
+    <p:tnLst>
+      <p:par>
+        <p:cTn id="1" dur="indefinite" restart="never" nodeType="tmRoot"/>
+      </p:par>
+    </p:tnLst>
+  </p:timing>
+</p:sld>
+</file>
+
+<file path=ppt/slides/slide6.xml><?xml version="1.0" encoding="utf-8"?>
+<p:sld xmlns:a="http://schemas.openxmlformats.org/drawingml/2006/main" xmlns:r="http://schemas.openxmlformats.org/officeDocument/2006/relationships" xmlns:p="http://schemas.openxmlformats.org/presentationml/2006/main">
+  <p:cSld>
+    <p:spTree>
+      <p:nvGrpSpPr>
+        <p:cNvPr id="1" name=""/>
+        <p:cNvGrpSpPr/>
+        <p:nvPr/>
+      </p:nvGrpSpPr>
+      <p:grpSpPr>
+        <a:xfrm>
+          <a:off x="0" y="0"/>
+          <a:ext cx="0" cy="0"/>
+          <a:chOff x="0" y="0"/>
+          <a:chExt cx="0" cy="0"/>
+        </a:xfrm>
+      </p:grpSpPr>
+      <p:sp>
+        <p:nvSpPr>
+          <p:cNvPr id="2" name="标题 1"/>
+          <p:cNvSpPr>
+            <a:spLocks noGrp="1"/>
+          </p:cNvSpPr>
+          <p:nvPr>
+            <p:ph type="title"/>
+          </p:nvPr>
+        </p:nvSpPr>
+        <p:spPr/>
+        <p:txBody>
+          <a:bodyPr/>
+          <a:lstStyle/>
+          <a:p>
+            <a:r>
+              <a:rPr lang="en-US" altLang="zh-CN" dirty="0" smtClean="0"/>
+              <a:t>Equivalence</a:t>
+            </a:r>
+            <a:endParaRPr lang="zh-CN" altLang="en-US" dirty="0"/>
+          </a:p>
+        </p:txBody>
+      </p:sp>
+      <p:pic>
+        <p:nvPicPr>
+          <p:cNvPr id="2050" name="Picture 2"/>
+          <p:cNvPicPr>
+            <a:picLocks noChangeAspect="1" noChangeArrowheads="1"/>
+          </p:cNvPicPr>
+          <p:nvPr/>
+        </p:nvPicPr>
+        <p:blipFill>
+          <a:blip r:embed="rId2">
+            <a:extLst>
+              <a:ext uri="{28A0092B-C50C-407E-A947-70E740481C1C}">
+                <a14:useLocalDpi xmlns:a14="http://schemas.microsoft.com/office/drawing/2010/main" val="0"/>
+              </a:ext>
+            </a:extLst>
+          </a:blip>
+          <a:srcRect/>
+          <a:stretch>
+            <a:fillRect/>
+          </a:stretch>
+        </p:blipFill>
+        <p:spPr bwMode="auto">
+          <a:xfrm>
+            <a:off x="179512" y="1969988"/>
+            <a:ext cx="9534525" cy="1114425"/>
+          </a:xfrm>
+          <a:prstGeom prst="rect">
+            <a:avLst/>
+          </a:prstGeom>
+          <a:noFill/>
+          <a:ln>
+            <a:noFill/>
+          </a:ln>
+          <a:effectLst/>
+          <a:extLst>
+            <a:ext uri="{909E8E84-426E-40DD-AFC4-6F175D3DCCD1}">
+              <a14:hiddenFill xmlns:a14="http://schemas.microsoft.com/office/drawing/2010/main">
+                <a:solidFill>
+                  <a:schemeClr val="accent1"/>
+                </a:solidFill>
+              </a14:hiddenFill>
+            </a:ext>
+            <a:ext uri="{91240B29-F687-4F45-9708-019B960494DF}">
+              <a14:hiddenLine xmlns:a14="http://schemas.microsoft.com/office/drawing/2010/main" w="9525">
+                <a:solidFill>
+                  <a:schemeClr val="tx1"/>
+                </a:solidFill>
+                <a:miter lim="800000"/>
+                <a:headEnd/>
+                <a:tailEnd/>
+              </a14:hiddenLine>
+            </a:ext>
+            <a:ext uri="{AF507438-7753-43E0-B8FC-AC1667EBCBE1}">
+              <a14:hiddenEffects xmlns:a14="http://schemas.microsoft.com/office/drawing/2010/main">
+                <a:effectLst>
+                  <a:outerShdw dist="35921" dir="2700000" algn="ctr" rotWithShape="0">
+                    <a:schemeClr val="bg2"/>
+                  </a:outerShdw>
+                </a:effectLst>
+              </a14:hiddenEffects>
+            </a:ext>
+          </a:extLst>
+        </p:spPr>
+      </p:pic>
+      <p:sp>
+        <p:nvSpPr>
+          <p:cNvPr id="6" name="内容占位符 2"/>
+          <p:cNvSpPr>
+            <a:spLocks noGrp="1"/>
+          </p:cNvSpPr>
+          <p:nvPr>
+            <p:ph idx="1"/>
+          </p:nvPr>
+        </p:nvSpPr>
+        <p:spPr>
+          <a:xfrm>
+            <a:off x="467544" y="3501008"/>
+            <a:ext cx="8229600" cy="3672408"/>
+          </a:xfrm>
+        </p:spPr>
+        <p:txBody>
+          <a:bodyPr>
+            <a:normAutofit/>
+          </a:bodyPr>
+          <a:lstStyle/>
+          <a:p>
+            <a:pPr marL="0" indent="0">
+              <a:buNone/>
+            </a:pPr>
+            <a:r>
+              <a:rPr lang="en-US" altLang="zh-CN" sz="2000" dirty="0" smtClean="0"/>
+              <a:t>In class, we will sketch the proof of FPRAS &lt;= FPAUS </a:t>
+            </a:r>
+            <a:r>
+              <a:rPr lang="en-US" altLang="zh-CN" sz="2000" dirty="0" smtClean="0"/>
+              <a:t>for a </a:t>
+            </a:r>
+            <a:r>
+              <a:rPr lang="en-US" altLang="zh-CN" sz="2000" dirty="0" smtClean="0">
+                <a:solidFill>
+                  <a:srgbClr val="FF0000"/>
+                </a:solidFill>
+              </a:rPr>
+              <a:t>self-reducible</a:t>
+            </a:r>
+            <a:r>
+              <a:rPr lang="en-US" altLang="zh-CN" sz="2000" dirty="0" smtClean="0"/>
+              <a:t> problem.</a:t>
+            </a:r>
+            <a:endParaRPr lang="zh-CN" altLang="en-US" sz="2000" dirty="0"/>
+          </a:p>
+          <a:p>
+            <a:pPr marL="0" indent="0">
+              <a:buNone/>
+            </a:pPr>
+            <a:endParaRPr lang="zh-CN" altLang="en-US" dirty="0" smtClean="0"/>
+          </a:p>
+          <a:p>
+            <a:pPr marL="0" indent="0">
+              <a:buNone/>
+            </a:pPr>
+            <a:r>
+              <a:rPr lang="zh-CN" altLang="en-US" dirty="0" smtClean="0"/>
+              <a:t>
+</a:t>
+            </a:r>
+            <a:endParaRPr lang="zh-CN" altLang="en-US" dirty="0"/>
+          </a:p>
+        </p:txBody>
+      </p:sp>
+      <p:pic>
+        <p:nvPicPr>
+          <p:cNvPr id="2051" name="Picture 3"/>
+          <p:cNvPicPr>
+            <a:picLocks noChangeAspect="1" noChangeArrowheads="1"/>
+          </p:cNvPicPr>
+          <p:nvPr/>
+        </p:nvPicPr>
+        <p:blipFill>
+          <a:blip r:embed="rId3">
+            <a:extLst>
+              <a:ext uri="{28A0092B-C50C-407E-A947-70E740481C1C}">
+                <a14:useLocalDpi xmlns:a14="http://schemas.microsoft.com/office/drawing/2010/main" val="0"/>
+              </a:ext>
+            </a:extLst>
+          </a:blip>
+          <a:srcRect/>
+          <a:stretch>
+            <a:fillRect/>
+          </a:stretch>
+        </p:blipFill>
+        <p:spPr bwMode="auto">
+          <a:xfrm>
+            <a:off x="172947" y="4581128"/>
+            <a:ext cx="8575517" cy="764391"/>
+          </a:xfrm>
+          <a:prstGeom prst="rect">
+            <a:avLst/>
+          </a:prstGeom>
+          <a:noFill/>
+          <a:ln>
+            <a:noFill/>
+          </a:ln>
+          <a:effectLst/>
+          <a:extLst>
+            <a:ext uri="{909E8E84-426E-40DD-AFC4-6F175D3DCCD1}">
+              <a14:hiddenFill xmlns:a14="http://schemas.microsoft.com/office/drawing/2010/main">
+                <a:solidFill>
+                  <a:schemeClr val="accent1"/>
+                </a:solidFill>
+              </a14:hiddenFill>
+            </a:ext>
+            <a:ext uri="{91240B29-F687-4F45-9708-019B960494DF}">
+              <a14:hiddenLine xmlns:a14="http://schemas.microsoft.com/office/drawing/2010/main" w="9525">
+                <a:solidFill>
+                  <a:schemeClr val="tx1"/>
+                </a:solidFill>
+                <a:miter lim="800000"/>
+                <a:headEnd/>
+                <a:tailEnd/>
+              </a14:hiddenLine>
+            </a:ext>
+            <a:ext uri="{AF507438-7753-43E0-B8FC-AC1667EBCBE1}">
+              <a14:hiddenEffects xmlns:a14="http://schemas.microsoft.com/office/drawing/2010/main">
+                <a:effectLst>
+                  <a:outerShdw dist="35921" dir="2700000" algn="ctr" rotWithShape="0">
+                    <a:schemeClr val="bg2"/>
+                  </a:outerShdw>
+                </a:effectLst>
+              </a14:hiddenEffects>
+            </a:ext>
+          </a:extLst>
+        </p:spPr>
+      </p:pic>
+    </p:spTree>
+    <p:extLst>
+      <p:ext uri="{BB962C8B-B14F-4D97-AF65-F5344CB8AC3E}">
+        <p14:creationId xmlns:p14="http://schemas.microsoft.com/office/powerpoint/2010/main" val="2224311074"/>
+      </p:ext>
+    </p:extLst>
+  </p:cSld>
+  <p:clrMapOvr>
+    <a:masterClrMapping/>
+  </p:clrMapOvr>
+  <p:timing>
+    <p:tnLst>
+      <p:par>
+        <p:cTn id="1" dur="indefinite" restart="never" nodeType="tmRoot"/>
+      </p:par>
+    </p:tnLst>
+  </p:timing>
+</p:sld>
+</file>
+
+<file path=ppt/slides/slide7.xml><?xml version="1.0" encoding="utf-8"?>
+<p:sld xmlns:a="http://schemas.openxmlformats.org/drawingml/2006/main" xmlns:r="http://schemas.openxmlformats.org/officeDocument/2006/relationships" xmlns:p="http://schemas.openxmlformats.org/presentationml/2006/main">
+  <p:cSld>
+    <p:spTree>
+      <p:nvGrpSpPr>
+        <p:cNvPr id="1" name=""/>
+        <p:cNvGrpSpPr/>
+        <p:nvPr/>
+      </p:nvGrpSpPr>
+      <p:grpSpPr>
+        <a:xfrm>
+          <a:off x="0" y="0"/>
+          <a:ext cx="0" cy="0"/>
+          <a:chOff x="0" y="0"/>
+          <a:chExt cx="0" cy="0"/>
+        </a:xfrm>
+      </p:grpSpPr>
+      <p:pic>
+        <p:nvPicPr>
+          <p:cNvPr id="3074" name="Picture 2"/>
+          <p:cNvPicPr>
+            <a:picLocks noChangeAspect="1" noChangeArrowheads="1"/>
+          </p:cNvPicPr>
+          <p:nvPr/>
+        </p:nvPicPr>
+        <p:blipFill>
+          <a:blip r:embed="rId2">
+            <a:extLst>
+              <a:ext uri="{28A0092B-C50C-407E-A947-70E740481C1C}">
+                <a14:useLocalDpi xmlns:a14="http://schemas.microsoft.com/office/drawing/2010/main" val="0"/>
+              </a:ext>
+            </a:extLst>
+          </a:blip>
+          <a:srcRect/>
+          <a:stretch>
+            <a:fillRect/>
+          </a:stretch>
+        </p:blipFill>
+        <p:spPr bwMode="auto">
+          <a:xfrm>
+            <a:off x="179512" y="332656"/>
+            <a:ext cx="8892479" cy="1675153"/>
+          </a:xfrm>
+          <a:prstGeom prst="rect">
+            <a:avLst/>
+          </a:prstGeom>
+          <a:noFill/>
+          <a:ln>
+            <a:noFill/>
+          </a:ln>
+          <a:effectLst/>
+          <a:extLst>
+            <a:ext uri="{909E8E84-426E-40DD-AFC4-6F175D3DCCD1}">
+              <a14:hiddenFill xmlns:a14="http://schemas.microsoft.com/office/drawing/2010/main">
+                <a:solidFill>
+                  <a:schemeClr val="accent1"/>
+                </a:solidFill>
+              </a14:hiddenFill>
+            </a:ext>
+            <a:ext uri="{91240B29-F687-4F45-9708-019B960494DF}">
+              <a14:hiddenLine xmlns:a14="http://schemas.microsoft.com/office/drawing/2010/main" w="9525">
+                <a:solidFill>
+                  <a:schemeClr val="tx1"/>
+                </a:solidFill>
+                <a:miter lim="800000"/>
+                <a:headEnd/>
+                <a:tailEnd/>
+              </a14:hiddenLine>
+            </a:ext>
+            <a:ext uri="{AF507438-7753-43E0-B8FC-AC1667EBCBE1}">
+              <a14:hiddenEffects xmlns:a14="http://schemas.microsoft.com/office/drawing/2010/main">
+                <a:effectLst>
+                  <a:outerShdw dist="35921" dir="2700000" algn="ctr" rotWithShape="0">
+                    <a:schemeClr val="bg2"/>
+                  </a:outerShdw>
+                </a:effectLst>
+              </a14:hiddenEffects>
+            </a:ext>
+          </a:extLst>
+        </p:spPr>
+      </p:pic>
+      <p:pic>
+        <p:nvPicPr>
+          <p:cNvPr id="3076" name="Picture 4"/>
+          <p:cNvPicPr>
+            <a:picLocks noChangeAspect="1" noChangeArrowheads="1"/>
+          </p:cNvPicPr>
+          <p:nvPr/>
+        </p:nvPicPr>
+        <p:blipFill>
+          <a:blip r:embed="rId3">
+            <a:extLst>
+              <a:ext uri="{28A0092B-C50C-407E-A947-70E740481C1C}">
+                <a14:useLocalDpi xmlns:a14="http://schemas.microsoft.com/office/drawing/2010/main" val="0"/>
+              </a:ext>
+            </a:extLst>
+          </a:blip>
+          <a:srcRect/>
+          <a:stretch>
+            <a:fillRect/>
+          </a:stretch>
+        </p:blipFill>
+        <p:spPr bwMode="auto">
+          <a:xfrm>
+            <a:off x="3357262" y="2204864"/>
+            <a:ext cx="2381250" cy="2028825"/>
+          </a:xfrm>
+          <a:prstGeom prst="rect">
+            <a:avLst/>
+          </a:prstGeom>
+          <a:noFill/>
+          <a:ln>
+            <a:noFill/>
+          </a:ln>
+          <a:effectLst/>
+          <a:extLst>
+            <a:ext uri="{909E8E84-426E-40DD-AFC4-6F175D3DCCD1}">
+              <a14:hiddenFill xmlns:a14="http://schemas.microsoft.com/office/drawing/2010/main">
+                <a:solidFill>
+                  <a:schemeClr val="accent1"/>
+                </a:solidFill>
+              </a14:hiddenFill>
+            </a:ext>
+            <a:ext uri="{91240B29-F687-4F45-9708-019B960494DF}">
+              <a14:hiddenLine xmlns:a14="http://schemas.microsoft.com/office/drawing/2010/main" w="9525">
+                <a:solidFill>
+                  <a:schemeClr val="tx1"/>
+                </a:solidFill>
+                <a:miter lim="800000"/>
+                <a:headEnd/>
+                <a:tailEnd/>
+              </a14:hiddenLine>
+            </a:ext>
+            <a:ext uri="{AF507438-7753-43E0-B8FC-AC1667EBCBE1}">
+              <a14:hiddenEffects xmlns:a14="http://schemas.microsoft.com/office/drawing/2010/main">
+                <a:effectLst>
+                  <a:outerShdw dist="35921" dir="2700000" algn="ctr" rotWithShape="0">
+                    <a:schemeClr val="bg2"/>
+                  </a:outerShdw>
+                </a:effectLst>
+              </a14:hiddenEffects>
+            </a:ext>
+          </a:extLst>
+        </p:spPr>
+      </p:pic>
+    </p:spTree>
+    <p:extLst>
+      <p:ext uri="{BB962C8B-B14F-4D97-AF65-F5344CB8AC3E}">
+        <p14:creationId xmlns:p14="http://schemas.microsoft.com/office/powerpoint/2010/main" val="2648561824"/>
+      </p:ext>
+    </p:extLst>
+  </p:cSld>
+  <p:clrMapOvr>
+    <a:masterClrMapping/>
+  </p:clrMapOvr>
 </p:sld>
 </file>
 

--- a/approximate counting/approximate counting and sampling.pptx
+++ b/approximate counting/approximate counting and sampling.pptx
@@ -12,6 +12,7 @@
     <p:sldId id="260" r:id="rId6"/>
     <p:sldId id="261" r:id="rId7"/>
     <p:sldId id="263" r:id="rId8"/>
+    <p:sldId id="264" r:id="rId9"/>
   </p:sldIdLst>
   <p:sldSz cx="9144000" cy="6858000" type="screen4x3"/>
   <p:notesSz cx="6858000" cy="9144000"/>
@@ -3907,11 +3908,7 @@
             </a:pPr>
             <a:r>
               <a:rPr lang="en-US" altLang="zh-CN" sz="2000" dirty="0" smtClean="0"/>
-              <a:t>In class, we will sketch the proof of FPRAS &lt;= FPAUS </a:t>
-            </a:r>
-            <a:r>
-              <a:rPr lang="en-US" altLang="zh-CN" sz="2000" dirty="0" smtClean="0"/>
-              <a:t>for a </a:t>
+              <a:t>In class, we will sketch the proof of FPRAS &lt;= FPAUS for a </a:t>
             </a:r>
             <a:r>
               <a:rPr lang="en-US" altLang="zh-CN" sz="2000" dirty="0" smtClean="0">
@@ -4175,10 +4172,317 @@
           </a:extLst>
         </p:spPr>
       </p:pic>
+      <p:pic>
+        <p:nvPicPr>
+          <p:cNvPr id="1026" name="Picture 2"/>
+          <p:cNvPicPr>
+            <a:picLocks noChangeAspect="1" noChangeArrowheads="1"/>
+          </p:cNvPicPr>
+          <p:nvPr/>
+        </p:nvPicPr>
+        <p:blipFill>
+          <a:blip r:embed="rId4">
+            <a:extLst>
+              <a:ext uri="{28A0092B-C50C-407E-A947-70E740481C1C}">
+                <a14:useLocalDpi xmlns:a14="http://schemas.microsoft.com/office/drawing/2010/main" val="0"/>
+              </a:ext>
+            </a:extLst>
+          </a:blip>
+          <a:srcRect/>
+          <a:stretch>
+            <a:fillRect/>
+          </a:stretch>
+        </p:blipFill>
+        <p:spPr bwMode="auto">
+          <a:xfrm>
+            <a:off x="0" y="4581128"/>
+            <a:ext cx="9433049" cy="869956"/>
+          </a:xfrm>
+          <a:prstGeom prst="rect">
+            <a:avLst/>
+          </a:prstGeom>
+          <a:noFill/>
+          <a:ln>
+            <a:noFill/>
+          </a:ln>
+          <a:effectLst/>
+          <a:extLst>
+            <a:ext uri="{909E8E84-426E-40DD-AFC4-6F175D3DCCD1}">
+              <a14:hiddenFill xmlns:a14="http://schemas.microsoft.com/office/drawing/2010/main">
+                <a:solidFill>
+                  <a:schemeClr val="accent1"/>
+                </a:solidFill>
+              </a14:hiddenFill>
+            </a:ext>
+            <a:ext uri="{91240B29-F687-4F45-9708-019B960494DF}">
+              <a14:hiddenLine xmlns:a14="http://schemas.microsoft.com/office/drawing/2010/main" w="9525">
+                <a:solidFill>
+                  <a:schemeClr val="tx1"/>
+                </a:solidFill>
+                <a:miter lim="800000"/>
+                <a:headEnd/>
+                <a:tailEnd/>
+              </a14:hiddenLine>
+            </a:ext>
+            <a:ext uri="{AF507438-7753-43E0-B8FC-AC1667EBCBE1}">
+              <a14:hiddenEffects xmlns:a14="http://schemas.microsoft.com/office/drawing/2010/main">
+                <a:effectLst>
+                  <a:outerShdw dist="35921" dir="2700000" algn="ctr" rotWithShape="0">
+                    <a:schemeClr val="bg2"/>
+                  </a:outerShdw>
+                </a:effectLst>
+              </a14:hiddenEffects>
+            </a:ext>
+          </a:extLst>
+        </p:spPr>
+      </p:pic>
+      <p:sp>
+        <p:nvSpPr>
+          <p:cNvPr id="5" name="内容占位符 2"/>
+          <p:cNvSpPr>
+            <a:spLocks noGrp="1"/>
+          </p:cNvSpPr>
+          <p:nvPr>
+            <p:ph idx="1"/>
+          </p:nvPr>
+        </p:nvSpPr>
+        <p:spPr>
+          <a:xfrm>
+            <a:off x="323528" y="5589240"/>
+            <a:ext cx="8229600" cy="3672408"/>
+          </a:xfrm>
+        </p:spPr>
+        <p:txBody>
+          <a:bodyPr>
+            <a:normAutofit/>
+          </a:bodyPr>
+          <a:lstStyle/>
+          <a:p>
+            <a:pPr marL="0" indent="0">
+              <a:buNone/>
+            </a:pPr>
+            <a:r>
+              <a:rPr lang="en-US" altLang="zh-CN" sz="2000" dirty="0" smtClean="0"/>
+              <a:t>Now we find ways to estimate p</a:t>
+            </a:r>
+            <a:r>
+              <a:rPr lang="en-US" altLang="zh-CN" sz="2000" baseline="-25000" dirty="0" smtClean="0"/>
+              <a:t>i</a:t>
+            </a:r>
+            <a:endParaRPr lang="zh-CN" altLang="en-US" baseline="-25000" dirty="0" smtClean="0"/>
+          </a:p>
+          <a:p>
+            <a:pPr marL="0" indent="0">
+              <a:buNone/>
+            </a:pPr>
+            <a:r>
+              <a:rPr lang="zh-CN" altLang="en-US" dirty="0" smtClean="0"/>
+              <a:t>
+</a:t>
+            </a:r>
+            <a:endParaRPr lang="zh-CN" altLang="en-US" dirty="0"/>
+          </a:p>
+        </p:txBody>
+      </p:sp>
     </p:spTree>
     <p:extLst>
       <p:ext uri="{BB962C8B-B14F-4D97-AF65-F5344CB8AC3E}">
         <p14:creationId xmlns:p14="http://schemas.microsoft.com/office/powerpoint/2010/main" val="2648561824"/>
+      </p:ext>
+    </p:extLst>
+  </p:cSld>
+  <p:clrMapOvr>
+    <a:masterClrMapping/>
+  </p:clrMapOvr>
+</p:sld>
+</file>
+
+<file path=ppt/slides/slide8.xml><?xml version="1.0" encoding="utf-8"?>
+<p:sld xmlns:a="http://schemas.openxmlformats.org/drawingml/2006/main" xmlns:r="http://schemas.openxmlformats.org/officeDocument/2006/relationships" xmlns:p="http://schemas.openxmlformats.org/presentationml/2006/main">
+  <p:cSld>
+    <p:spTree>
+      <p:nvGrpSpPr>
+        <p:cNvPr id="1" name=""/>
+        <p:cNvGrpSpPr/>
+        <p:nvPr/>
+      </p:nvGrpSpPr>
+      <p:grpSpPr>
+        <a:xfrm>
+          <a:off x="0" y="0"/>
+          <a:ext cx="0" cy="0"/>
+          <a:chOff x="0" y="0"/>
+          <a:chExt cx="0" cy="0"/>
+        </a:xfrm>
+      </p:grpSpPr>
+      <p:pic>
+        <p:nvPicPr>
+          <p:cNvPr id="2050" name="Picture 2"/>
+          <p:cNvPicPr>
+            <a:picLocks noChangeAspect="1" noChangeArrowheads="1"/>
+          </p:cNvPicPr>
+          <p:nvPr/>
+        </p:nvPicPr>
+        <p:blipFill>
+          <a:blip r:embed="rId2">
+            <a:extLst>
+              <a:ext uri="{28A0092B-C50C-407E-A947-70E740481C1C}">
+                <a14:useLocalDpi xmlns:a14="http://schemas.microsoft.com/office/drawing/2010/main" val="0"/>
+              </a:ext>
+            </a:extLst>
+          </a:blip>
+          <a:srcRect/>
+          <a:stretch>
+            <a:fillRect/>
+          </a:stretch>
+        </p:blipFill>
+        <p:spPr bwMode="auto">
+          <a:xfrm>
+            <a:off x="1907704" y="692696"/>
+            <a:ext cx="4114800" cy="1438275"/>
+          </a:xfrm>
+          <a:prstGeom prst="rect">
+            <a:avLst/>
+          </a:prstGeom>
+          <a:noFill/>
+          <a:ln>
+            <a:noFill/>
+          </a:ln>
+          <a:effectLst/>
+          <a:extLst>
+            <a:ext uri="{909E8E84-426E-40DD-AFC4-6F175D3DCCD1}">
+              <a14:hiddenFill xmlns:a14="http://schemas.microsoft.com/office/drawing/2010/main">
+                <a:solidFill>
+                  <a:schemeClr val="accent1"/>
+                </a:solidFill>
+              </a14:hiddenFill>
+            </a:ext>
+            <a:ext uri="{91240B29-F687-4F45-9708-019B960494DF}">
+              <a14:hiddenLine xmlns:a14="http://schemas.microsoft.com/office/drawing/2010/main" w="9525">
+                <a:solidFill>
+                  <a:schemeClr val="tx1"/>
+                </a:solidFill>
+                <a:miter lim="800000"/>
+                <a:headEnd/>
+                <a:tailEnd/>
+              </a14:hiddenLine>
+            </a:ext>
+            <a:ext uri="{AF507438-7753-43E0-B8FC-AC1667EBCBE1}">
+              <a14:hiddenEffects xmlns:a14="http://schemas.microsoft.com/office/drawing/2010/main">
+                <a:effectLst>
+                  <a:outerShdw dist="35921" dir="2700000" algn="ctr" rotWithShape="0">
+                    <a:schemeClr val="bg2"/>
+                  </a:outerShdw>
+                </a:effectLst>
+              </a14:hiddenEffects>
+            </a:ext>
+          </a:extLst>
+        </p:spPr>
+      </p:pic>
+      <p:sp>
+        <p:nvSpPr>
+          <p:cNvPr id="5" name="内容占位符 2"/>
+          <p:cNvSpPr>
+            <a:spLocks noGrp="1"/>
+          </p:cNvSpPr>
+          <p:nvPr>
+            <p:ph idx="1"/>
+          </p:nvPr>
+        </p:nvSpPr>
+        <p:spPr>
+          <a:xfrm>
+            <a:off x="323528" y="260648"/>
+            <a:ext cx="8229600" cy="3672408"/>
+          </a:xfrm>
+        </p:spPr>
+        <p:txBody>
+          <a:bodyPr>
+            <a:normAutofit/>
+          </a:bodyPr>
+          <a:lstStyle/>
+          <a:p>
+            <a:pPr marL="0" indent="0">
+              <a:buNone/>
+            </a:pPr>
+            <a:r>
+              <a:rPr lang="en-US" altLang="zh-CN" sz="2000" dirty="0" smtClean="0"/>
+              <a:t>We have</a:t>
+            </a:r>
+          </a:p>
+          <a:p>
+            <a:pPr marL="0" indent="0">
+              <a:buNone/>
+            </a:pPr>
+            <a:endParaRPr lang="en-US" altLang="zh-CN" sz="2000" baseline="-25000" dirty="0"/>
+          </a:p>
+          <a:p>
+            <a:pPr marL="0" indent="0">
+              <a:buNone/>
+            </a:pPr>
+            <a:endParaRPr lang="en-US" altLang="zh-CN" sz="2000" baseline="-25000" dirty="0" smtClean="0"/>
+          </a:p>
+          <a:p>
+            <a:pPr marL="0" indent="0">
+              <a:buNone/>
+            </a:pPr>
+            <a:endParaRPr lang="en-US" altLang="zh-CN" sz="2000" baseline="-25000" dirty="0"/>
+          </a:p>
+          <a:p>
+            <a:pPr marL="0" indent="0">
+              <a:buNone/>
+            </a:pPr>
+            <a:endParaRPr lang="en-US" altLang="zh-CN" sz="2000" baseline="-25000" dirty="0" smtClean="0"/>
+          </a:p>
+          <a:p>
+            <a:pPr marL="0" indent="0">
+              <a:buNone/>
+            </a:pPr>
+            <a:endParaRPr lang="en-US" altLang="zh-CN" sz="2000" baseline="-25000" dirty="0"/>
+          </a:p>
+          <a:p>
+            <a:pPr marL="0" indent="0">
+              <a:buNone/>
+            </a:pPr>
+            <a:endParaRPr lang="en-US" altLang="zh-CN" sz="2000" baseline="-25000" dirty="0"/>
+          </a:p>
+          <a:p>
+            <a:pPr marL="0" indent="0">
+              <a:buNone/>
+            </a:pPr>
+            <a:r>
+              <a:rPr lang="en-US" altLang="zh-CN" sz="2000" dirty="0" smtClean="0"/>
+              <a:t>We get p</a:t>
+            </a:r>
+            <a:r>
+              <a:rPr lang="en-US" altLang="zh-CN" sz="2000" baseline="-25000" dirty="0" smtClean="0"/>
+              <a:t>i</a:t>
+            </a:r>
+            <a:r>
+              <a:rPr lang="en-US" altLang="zh-CN" sz="2000" dirty="0"/>
+              <a:t> </a:t>
+            </a:r>
+            <a:r>
+              <a:rPr lang="en-US" altLang="zh-CN" sz="2000" dirty="0" smtClean="0"/>
+              <a:t>&gt;= ½, so we don’t need many samples</a:t>
+            </a:r>
+            <a:endParaRPr lang="zh-CN" altLang="en-US" dirty="0" smtClean="0"/>
+          </a:p>
+          <a:p>
+            <a:pPr marL="0" indent="0">
+              <a:buNone/>
+            </a:pPr>
+            <a:r>
+              <a:rPr lang="zh-CN" altLang="en-US" dirty="0" smtClean="0"/>
+              <a:t>
+</a:t>
+            </a:r>
+            <a:endParaRPr lang="zh-CN" altLang="en-US" dirty="0"/>
+          </a:p>
+        </p:txBody>
+      </p:sp>
+    </p:spTree>
+    <p:extLst>
+      <p:ext uri="{BB962C8B-B14F-4D97-AF65-F5344CB8AC3E}">
+        <p14:creationId xmlns:p14="http://schemas.microsoft.com/office/powerpoint/2010/main" val="477300137"/>
       </p:ext>
     </p:extLst>
   </p:cSld>

--- a/approximate counting/approximate counting and sampling.pptx
+++ b/approximate counting/approximate counting and sampling.pptx
@@ -13,6 +13,9 @@
     <p:sldId id="261" r:id="rId7"/>
     <p:sldId id="263" r:id="rId8"/>
     <p:sldId id="264" r:id="rId9"/>
+    <p:sldId id="265" r:id="rId10"/>
+    <p:sldId id="267" r:id="rId11"/>
+    <p:sldId id="266" r:id="rId12"/>
   </p:sldIdLst>
   <p:sldSz cx="9144000" cy="6858000" type="screen4x3"/>
   <p:notesSz cx="6858000" cy="9144000"/>
@@ -3119,6 +3122,322 @@
 </p:sld>
 </file>
 
+<file path=ppt/slides/slide10.xml><?xml version="1.0" encoding="utf-8"?>
+<p:sld xmlns:a="http://schemas.openxmlformats.org/drawingml/2006/main" xmlns:r="http://schemas.openxmlformats.org/officeDocument/2006/relationships" xmlns:p="http://schemas.openxmlformats.org/presentationml/2006/main">
+  <p:cSld>
+    <p:spTree>
+      <p:nvGrpSpPr>
+        <p:cNvPr id="1" name=""/>
+        <p:cNvGrpSpPr/>
+        <p:nvPr/>
+      </p:nvGrpSpPr>
+      <p:grpSpPr>
+        <a:xfrm>
+          <a:off x="0" y="0"/>
+          <a:ext cx="0" cy="0"/>
+          <a:chOff x="0" y="0"/>
+          <a:chExt cx="0" cy="0"/>
+        </a:xfrm>
+      </p:grpSpPr>
+      <p:sp>
+        <p:nvSpPr>
+          <p:cNvPr id="2" name="标题 1"/>
+          <p:cNvSpPr>
+            <a:spLocks noGrp="1"/>
+          </p:cNvSpPr>
+          <p:nvPr>
+            <p:ph type="title"/>
+          </p:nvPr>
+        </p:nvSpPr>
+        <p:spPr/>
+        <p:txBody>
+          <a:bodyPr/>
+          <a:lstStyle/>
+          <a:p>
+            <a:r>
+              <a:rPr lang="en-US" altLang="zh-CN" dirty="0" smtClean="0"/>
+              <a:t>Rapid Mixing</a:t>
+            </a:r>
+            <a:endParaRPr lang="zh-CN" altLang="en-US" dirty="0"/>
+          </a:p>
+        </p:txBody>
+      </p:sp>
+      <p:sp>
+        <p:nvSpPr>
+          <p:cNvPr id="3" name="内容占位符 2"/>
+          <p:cNvSpPr>
+            <a:spLocks noGrp="1"/>
+          </p:cNvSpPr>
+          <p:nvPr>
+            <p:ph idx="1"/>
+          </p:nvPr>
+        </p:nvSpPr>
+        <p:spPr>
+          <a:xfrm>
+            <a:off x="467544" y="4509120"/>
+            <a:ext cx="8291264" cy="1761059"/>
+          </a:xfrm>
+        </p:spPr>
+        <p:txBody>
+          <a:bodyPr>
+            <a:normAutofit fontScale="92500"/>
+          </a:bodyPr>
+          <a:lstStyle/>
+          <a:p>
+            <a:r>
+              <a:rPr lang="en-US" altLang="zh-CN" dirty="0" smtClean="0"/>
+              <a:t>Rapid mixing means, if I start from some state and walk enough long, I will soon get to a distribution, so we have almost uniform </a:t>
+            </a:r>
+            <a:r>
+              <a:rPr lang="en-US" altLang="zh-CN" dirty="0" err="1" smtClean="0"/>
+              <a:t>geneator</a:t>
+            </a:r>
+            <a:endParaRPr lang="zh-CN" altLang="en-US" dirty="0"/>
+          </a:p>
+        </p:txBody>
+      </p:sp>
+      <p:pic>
+        <p:nvPicPr>
+          <p:cNvPr id="4098" name="Picture 2"/>
+          <p:cNvPicPr>
+            <a:picLocks noChangeAspect="1" noChangeArrowheads="1"/>
+          </p:cNvPicPr>
+          <p:nvPr/>
+        </p:nvPicPr>
+        <p:blipFill>
+          <a:blip r:embed="rId2">
+            <a:extLst>
+              <a:ext uri="{28A0092B-C50C-407E-A947-70E740481C1C}">
+                <a14:useLocalDpi xmlns:a14="http://schemas.microsoft.com/office/drawing/2010/main" val="0"/>
+              </a:ext>
+            </a:extLst>
+          </a:blip>
+          <a:srcRect/>
+          <a:stretch>
+            <a:fillRect/>
+          </a:stretch>
+        </p:blipFill>
+        <p:spPr bwMode="auto">
+          <a:xfrm>
+            <a:off x="611560" y="1455974"/>
+            <a:ext cx="7790259" cy="2765114"/>
+          </a:xfrm>
+          <a:prstGeom prst="rect">
+            <a:avLst/>
+          </a:prstGeom>
+          <a:noFill/>
+          <a:ln>
+            <a:noFill/>
+          </a:ln>
+          <a:effectLst/>
+          <a:extLst>
+            <a:ext uri="{909E8E84-426E-40DD-AFC4-6F175D3DCCD1}">
+              <a14:hiddenFill xmlns:a14="http://schemas.microsoft.com/office/drawing/2010/main">
+                <a:solidFill>
+                  <a:schemeClr val="accent1"/>
+                </a:solidFill>
+              </a14:hiddenFill>
+            </a:ext>
+            <a:ext uri="{91240B29-F687-4F45-9708-019B960494DF}">
+              <a14:hiddenLine xmlns:a14="http://schemas.microsoft.com/office/drawing/2010/main" w="9525">
+                <a:solidFill>
+                  <a:schemeClr val="tx1"/>
+                </a:solidFill>
+                <a:miter lim="800000"/>
+                <a:headEnd/>
+                <a:tailEnd/>
+              </a14:hiddenLine>
+            </a:ext>
+            <a:ext uri="{AF507438-7753-43E0-B8FC-AC1667EBCBE1}">
+              <a14:hiddenEffects xmlns:a14="http://schemas.microsoft.com/office/drawing/2010/main">
+                <a:effectLst>
+                  <a:outerShdw dist="35921" dir="2700000" algn="ctr" rotWithShape="0">
+                    <a:schemeClr val="bg2"/>
+                  </a:outerShdw>
+                </a:effectLst>
+              </a14:hiddenEffects>
+            </a:ext>
+          </a:extLst>
+        </p:spPr>
+      </p:pic>
+    </p:spTree>
+    <p:extLst>
+      <p:ext uri="{BB962C8B-B14F-4D97-AF65-F5344CB8AC3E}">
+        <p14:creationId xmlns:p14="http://schemas.microsoft.com/office/powerpoint/2010/main" val="1649601385"/>
+      </p:ext>
+    </p:extLst>
+  </p:cSld>
+  <p:clrMapOvr>
+    <a:masterClrMapping/>
+  </p:clrMapOvr>
+</p:sld>
+</file>
+
+<file path=ppt/slides/slide11.xml><?xml version="1.0" encoding="utf-8"?>
+<p:sld xmlns:a="http://schemas.openxmlformats.org/drawingml/2006/main" xmlns:r="http://schemas.openxmlformats.org/officeDocument/2006/relationships" xmlns:p="http://schemas.openxmlformats.org/presentationml/2006/main">
+  <p:cSld>
+    <p:spTree>
+      <p:nvGrpSpPr>
+        <p:cNvPr id="1" name=""/>
+        <p:cNvGrpSpPr/>
+        <p:nvPr/>
+      </p:nvGrpSpPr>
+      <p:grpSpPr>
+        <a:xfrm>
+          <a:off x="0" y="0"/>
+          <a:ext cx="0" cy="0"/>
+          <a:chOff x="0" y="0"/>
+          <a:chExt cx="0" cy="0"/>
+        </a:xfrm>
+      </p:grpSpPr>
+      <p:pic>
+        <p:nvPicPr>
+          <p:cNvPr id="3075" name="Picture 3"/>
+          <p:cNvPicPr>
+            <a:picLocks noChangeAspect="1" noChangeArrowheads="1"/>
+          </p:cNvPicPr>
+          <p:nvPr/>
+        </p:nvPicPr>
+        <p:blipFill>
+          <a:blip r:embed="rId2">
+            <a:extLst>
+              <a:ext uri="{28A0092B-C50C-407E-A947-70E740481C1C}">
+                <a14:useLocalDpi xmlns:a14="http://schemas.microsoft.com/office/drawing/2010/main" val="0"/>
+              </a:ext>
+            </a:extLst>
+          </a:blip>
+          <a:srcRect/>
+          <a:stretch>
+            <a:fillRect/>
+          </a:stretch>
+        </p:blipFill>
+        <p:spPr bwMode="auto">
+          <a:xfrm>
+            <a:off x="366713" y="404664"/>
+            <a:ext cx="8410575" cy="771525"/>
+          </a:xfrm>
+          <a:prstGeom prst="rect">
+            <a:avLst/>
+          </a:prstGeom>
+          <a:noFill/>
+          <a:ln>
+            <a:noFill/>
+          </a:ln>
+          <a:effectLst/>
+          <a:extLst>
+            <a:ext uri="{909E8E84-426E-40DD-AFC4-6F175D3DCCD1}">
+              <a14:hiddenFill xmlns:a14="http://schemas.microsoft.com/office/drawing/2010/main">
+                <a:solidFill>
+                  <a:schemeClr val="accent1"/>
+                </a:solidFill>
+              </a14:hiddenFill>
+            </a:ext>
+            <a:ext uri="{91240B29-F687-4F45-9708-019B960494DF}">
+              <a14:hiddenLine xmlns:a14="http://schemas.microsoft.com/office/drawing/2010/main" w="9525">
+                <a:solidFill>
+                  <a:schemeClr val="tx1"/>
+                </a:solidFill>
+                <a:miter lim="800000"/>
+                <a:headEnd/>
+                <a:tailEnd/>
+              </a14:hiddenLine>
+            </a:ext>
+            <a:ext uri="{AF507438-7753-43E0-B8FC-AC1667EBCBE1}">
+              <a14:hiddenEffects xmlns:a14="http://schemas.microsoft.com/office/drawing/2010/main">
+                <a:effectLst>
+                  <a:outerShdw dist="35921" dir="2700000" algn="ctr" rotWithShape="0">
+                    <a:schemeClr val="bg2"/>
+                  </a:outerShdw>
+                </a:effectLst>
+              </a14:hiddenEffects>
+            </a:ext>
+          </a:extLst>
+        </p:spPr>
+      </p:pic>
+      <p:pic>
+        <p:nvPicPr>
+          <p:cNvPr id="3076" name="Picture 4"/>
+          <p:cNvPicPr>
+            <a:picLocks noChangeAspect="1" noChangeArrowheads="1"/>
+          </p:cNvPicPr>
+          <p:nvPr/>
+        </p:nvPicPr>
+        <p:blipFill>
+          <a:blip r:embed="rId3">
+            <a:extLst>
+              <a:ext uri="{28A0092B-C50C-407E-A947-70E740481C1C}">
+                <a14:useLocalDpi xmlns:a14="http://schemas.microsoft.com/office/drawing/2010/main" val="0"/>
+              </a:ext>
+            </a:extLst>
+          </a:blip>
+          <a:srcRect/>
+          <a:stretch>
+            <a:fillRect/>
+          </a:stretch>
+        </p:blipFill>
+        <p:spPr bwMode="auto">
+          <a:xfrm>
+            <a:off x="257175" y="1268760"/>
+            <a:ext cx="8629650" cy="3943350"/>
+          </a:xfrm>
+          <a:prstGeom prst="rect">
+            <a:avLst/>
+          </a:prstGeom>
+          <a:noFill/>
+          <a:ln>
+            <a:noFill/>
+          </a:ln>
+          <a:effectLst/>
+          <a:extLst>
+            <a:ext uri="{909E8E84-426E-40DD-AFC4-6F175D3DCCD1}">
+              <a14:hiddenFill xmlns:a14="http://schemas.microsoft.com/office/drawing/2010/main">
+                <a:solidFill>
+                  <a:schemeClr val="accent1"/>
+                </a:solidFill>
+              </a14:hiddenFill>
+            </a:ext>
+            <a:ext uri="{91240B29-F687-4F45-9708-019B960494DF}">
+              <a14:hiddenLine xmlns:a14="http://schemas.microsoft.com/office/drawing/2010/main" w="9525">
+                <a:solidFill>
+                  <a:schemeClr val="tx1"/>
+                </a:solidFill>
+                <a:miter lim="800000"/>
+                <a:headEnd/>
+                <a:tailEnd/>
+              </a14:hiddenLine>
+            </a:ext>
+            <a:ext uri="{AF507438-7753-43E0-B8FC-AC1667EBCBE1}">
+              <a14:hiddenEffects xmlns:a14="http://schemas.microsoft.com/office/drawing/2010/main">
+                <a:effectLst>
+                  <a:outerShdw dist="35921" dir="2700000" algn="ctr" rotWithShape="0">
+                    <a:schemeClr val="bg2"/>
+                  </a:outerShdw>
+                </a:effectLst>
+              </a14:hiddenEffects>
+            </a:ext>
+          </a:extLst>
+        </p:spPr>
+      </p:pic>
+    </p:spTree>
+    <p:extLst>
+      <p:ext uri="{BB962C8B-B14F-4D97-AF65-F5344CB8AC3E}">
+        <p14:creationId xmlns:p14="http://schemas.microsoft.com/office/powerpoint/2010/main" val="2494881537"/>
+      </p:ext>
+    </p:extLst>
+  </p:cSld>
+  <p:clrMapOvr>
+    <a:masterClrMapping/>
+  </p:clrMapOvr>
+  <p:timing>
+    <p:tnLst>
+      <p:par>
+        <p:cTn id="1" dur="indefinite" restart="never" nodeType="tmRoot"/>
+      </p:par>
+    </p:tnLst>
+  </p:timing>
+</p:sld>
+</file>
+
 <file path=ppt/slides/slide2.xml><?xml version="1.0" encoding="utf-8"?>
 <p:sld xmlns:a="http://schemas.openxmlformats.org/drawingml/2006/main" xmlns:r="http://schemas.openxmlformats.org/officeDocument/2006/relationships" xmlns:p="http://schemas.openxmlformats.org/presentationml/2006/main">
   <p:cSld>
@@ -4391,7 +4710,7 @@
         <p:spPr>
           <a:xfrm>
             <a:off x="323528" y="260648"/>
-            <a:ext cx="8229600" cy="3672408"/>
+            <a:ext cx="8229600" cy="5400600"/>
           </a:xfrm>
         </p:spPr>
         <p:txBody>
@@ -4462,7 +4781,15 @@
             </a:r>
             <a:r>
               <a:rPr lang="en-US" altLang="zh-CN" sz="2000" dirty="0" smtClean="0"/>
-              <a:t>&gt;= ½, so we don’t need many samples</a:t>
+              <a:t>&gt;= ½, so we don’t need </a:t>
+            </a:r>
+            <a:r>
+              <a:rPr lang="en-US" altLang="zh-CN" sz="2000" dirty="0" smtClean="0"/>
+              <a:t>so many </a:t>
+            </a:r>
+            <a:r>
+              <a:rPr lang="en-US" altLang="zh-CN" sz="2000" dirty="0" smtClean="0"/>
+              <a:t>samples</a:t>
             </a:r>
             <a:endParaRPr lang="zh-CN" altLang="en-US" dirty="0" smtClean="0"/>
           </a:p>
@@ -4471,14 +4798,352 @@
               <a:buNone/>
             </a:pPr>
             <a:r>
-              <a:rPr lang="zh-CN" altLang="en-US" dirty="0" smtClean="0"/>
+              <a:rPr lang="en-US" altLang="zh-CN" sz="2000" dirty="0"/>
+              <a:t>We sample </a:t>
+            </a:r>
+            <a:r>
+              <a:rPr lang="en-US" altLang="zh-CN" sz="2000" dirty="0"/>
+              <a:t>from</a:t>
+            </a:r>
+            <a:r>
+              <a:rPr lang="en-US" altLang="zh-CN" sz="2000" dirty="0"/>
+              <a:t> </a:t>
+            </a:r>
+            <a:r>
+              <a:rPr lang="en-US" altLang="zh-CN" sz="2000" dirty="0" smtClean="0"/>
+              <a:t>a distribution                       from the uniform distribution</a:t>
+            </a:r>
+          </a:p>
+          <a:p>
+            <a:pPr marL="0" indent="0">
+              <a:buNone/>
+            </a:pPr>
+            <a:r>
+              <a:rPr lang="en-US" altLang="zh-CN" sz="2000" dirty="0" smtClean="0"/>
+              <a:t>Draw s random samples, let q</a:t>
+            </a:r>
+            <a:r>
+              <a:rPr lang="en-US" altLang="zh-CN" sz="2000" baseline="-25000" dirty="0" smtClean="0"/>
+              <a:t>i</a:t>
+            </a:r>
+            <a:r>
+              <a:rPr lang="en-US" altLang="zh-CN" sz="2000" dirty="0" smtClean="0"/>
+              <a:t> denote the ratio of </a:t>
+            </a:r>
+            <a:r>
+              <a:rPr lang="en-US" altLang="zh-CN" sz="2000" dirty="0" err="1" smtClean="0"/>
+              <a:t>matchings</a:t>
+            </a:r>
+            <a:r>
+              <a:rPr lang="en-US" altLang="zh-CN" sz="2000" dirty="0" smtClean="0"/>
+              <a:t> of G</a:t>
+            </a:r>
+            <a:r>
+              <a:rPr lang="en-US" altLang="zh-CN" sz="2000" baseline="-25000" dirty="0" smtClean="0"/>
+              <a:t>i+1</a:t>
+            </a:r>
+            <a:r>
+              <a:rPr lang="en-US" altLang="zh-CN" sz="2000" dirty="0" smtClean="0"/>
+              <a:t>in </a:t>
+            </a:r>
+            <a:r>
+              <a:rPr lang="en-US" altLang="zh-CN" sz="2000" dirty="0" err="1" smtClean="0"/>
+              <a:t>G</a:t>
+            </a:r>
+            <a:r>
+              <a:rPr lang="en-US" altLang="zh-CN" sz="2000" baseline="-25000" dirty="0" err="1" smtClean="0"/>
+              <a:t>i</a:t>
+            </a:r>
+            <a:endParaRPr lang="en-US" altLang="zh-CN" sz="2000" dirty="0"/>
+          </a:p>
+          <a:p>
+            <a:pPr marL="0" indent="0">
+              <a:buNone/>
+            </a:pPr>
+            <a:r>
+              <a:rPr lang="en-US" altLang="zh-CN" sz="2000" dirty="0" smtClean="0"/>
+              <a:t>Let</a:t>
+            </a:r>
+          </a:p>
+          <a:p>
+            <a:pPr marL="0" indent="0">
+              <a:buNone/>
+            </a:pPr>
+            <a:endParaRPr lang="en-US" altLang="zh-CN" sz="2000" dirty="0"/>
+          </a:p>
+          <a:p>
+            <a:pPr marL="0" indent="0">
+              <a:buNone/>
+            </a:pPr>
+            <a:r>
+              <a:rPr lang="en-US" altLang="zh-CN" sz="2000" dirty="0" smtClean="0"/>
+              <a:t>Then we have</a:t>
+            </a:r>
+            <a:r>
+              <a:rPr lang="zh-CN" altLang="en-US" sz="2000" dirty="0" smtClean="0"/>
               <a:t>
 </a:t>
             </a:r>
-            <a:endParaRPr lang="zh-CN" altLang="en-US" dirty="0"/>
-          </a:p>
-        </p:txBody>
-      </p:sp>
+            <a:endParaRPr lang="zh-CN" altLang="en-US" sz="2000" dirty="0"/>
+          </a:p>
+        </p:txBody>
+      </p:sp>
+      <p:pic>
+        <p:nvPicPr>
+          <p:cNvPr id="1026" name="Picture 2"/>
+          <p:cNvPicPr>
+            <a:picLocks noChangeAspect="1" noChangeArrowheads="1"/>
+          </p:cNvPicPr>
+          <p:nvPr/>
+        </p:nvPicPr>
+        <p:blipFill>
+          <a:blip r:embed="rId3">
+            <a:extLst>
+              <a:ext uri="{28A0092B-C50C-407E-A947-70E740481C1C}">
+                <a14:useLocalDpi xmlns:a14="http://schemas.microsoft.com/office/drawing/2010/main" val="0"/>
+              </a:ext>
+            </a:extLst>
+          </a:blip>
+          <a:srcRect/>
+          <a:stretch>
+            <a:fillRect/>
+          </a:stretch>
+        </p:blipFill>
+        <p:spPr bwMode="auto">
+          <a:xfrm>
+            <a:off x="3563888" y="2492896"/>
+            <a:ext cx="1295400" cy="361950"/>
+          </a:xfrm>
+          <a:prstGeom prst="rect">
+            <a:avLst/>
+          </a:prstGeom>
+          <a:noFill/>
+          <a:ln>
+            <a:noFill/>
+          </a:ln>
+          <a:effectLst/>
+          <a:extLst>
+            <a:ext uri="{909E8E84-426E-40DD-AFC4-6F175D3DCCD1}">
+              <a14:hiddenFill xmlns:a14="http://schemas.microsoft.com/office/drawing/2010/main">
+                <a:solidFill>
+                  <a:schemeClr val="accent1"/>
+                </a:solidFill>
+              </a14:hiddenFill>
+            </a:ext>
+            <a:ext uri="{91240B29-F687-4F45-9708-019B960494DF}">
+              <a14:hiddenLine xmlns:a14="http://schemas.microsoft.com/office/drawing/2010/main" w="9525">
+                <a:solidFill>
+                  <a:schemeClr val="tx1"/>
+                </a:solidFill>
+                <a:miter lim="800000"/>
+                <a:headEnd/>
+                <a:tailEnd/>
+              </a14:hiddenLine>
+            </a:ext>
+            <a:ext uri="{AF507438-7753-43E0-B8FC-AC1667EBCBE1}">
+              <a14:hiddenEffects xmlns:a14="http://schemas.microsoft.com/office/drawing/2010/main">
+                <a:effectLst>
+                  <a:outerShdw dist="35921" dir="2700000" algn="ctr" rotWithShape="0">
+                    <a:schemeClr val="bg2"/>
+                  </a:outerShdw>
+                </a:effectLst>
+              </a14:hiddenEffects>
+            </a:ext>
+          </a:extLst>
+        </p:spPr>
+      </p:pic>
+      <p:pic>
+        <p:nvPicPr>
+          <p:cNvPr id="1027" name="Picture 3"/>
+          <p:cNvPicPr>
+            <a:picLocks noChangeAspect="1" noChangeArrowheads="1"/>
+          </p:cNvPicPr>
+          <p:nvPr/>
+        </p:nvPicPr>
+        <p:blipFill>
+          <a:blip r:embed="rId4">
+            <a:extLst>
+              <a:ext uri="{28A0092B-C50C-407E-A947-70E740481C1C}">
+                <a14:useLocalDpi xmlns:a14="http://schemas.microsoft.com/office/drawing/2010/main" val="0"/>
+              </a:ext>
+            </a:extLst>
+          </a:blip>
+          <a:srcRect/>
+          <a:stretch>
+            <a:fillRect/>
+          </a:stretch>
+        </p:blipFill>
+        <p:spPr bwMode="auto">
+          <a:xfrm>
+            <a:off x="3491880" y="3429000"/>
+            <a:ext cx="1838325" cy="419100"/>
+          </a:xfrm>
+          <a:prstGeom prst="rect">
+            <a:avLst/>
+          </a:prstGeom>
+          <a:noFill/>
+          <a:ln>
+            <a:noFill/>
+          </a:ln>
+          <a:effectLst/>
+          <a:extLst>
+            <a:ext uri="{909E8E84-426E-40DD-AFC4-6F175D3DCCD1}">
+              <a14:hiddenFill xmlns:a14="http://schemas.microsoft.com/office/drawing/2010/main">
+                <a:solidFill>
+                  <a:schemeClr val="accent1"/>
+                </a:solidFill>
+              </a14:hiddenFill>
+            </a:ext>
+            <a:ext uri="{91240B29-F687-4F45-9708-019B960494DF}">
+              <a14:hiddenLine xmlns:a14="http://schemas.microsoft.com/office/drawing/2010/main" w="9525">
+                <a:solidFill>
+                  <a:schemeClr val="tx1"/>
+                </a:solidFill>
+                <a:miter lim="800000"/>
+                <a:headEnd/>
+                <a:tailEnd/>
+              </a14:hiddenLine>
+            </a:ext>
+            <a:ext uri="{AF507438-7753-43E0-B8FC-AC1667EBCBE1}">
+              <a14:hiddenEffects xmlns:a14="http://schemas.microsoft.com/office/drawing/2010/main">
+                <a:effectLst>
+                  <a:outerShdw dist="35921" dir="2700000" algn="ctr" rotWithShape="0">
+                    <a:schemeClr val="bg2"/>
+                  </a:outerShdw>
+                </a:effectLst>
+              </a14:hiddenEffects>
+            </a:ext>
+          </a:extLst>
+        </p:spPr>
+      </p:pic>
+      <p:pic>
+        <p:nvPicPr>
+          <p:cNvPr id="1028" name="Picture 4"/>
+          <p:cNvPicPr>
+            <a:picLocks noChangeAspect="1" noChangeArrowheads="1"/>
+          </p:cNvPicPr>
+          <p:nvPr/>
+        </p:nvPicPr>
+        <p:blipFill>
+          <a:blip r:embed="rId5">
+            <a:extLst>
+              <a:ext uri="{28A0092B-C50C-407E-A947-70E740481C1C}">
+                <a14:useLocalDpi xmlns:a14="http://schemas.microsoft.com/office/drawing/2010/main" val="0"/>
+              </a:ext>
+            </a:extLst>
+          </a:blip>
+          <a:srcRect/>
+          <a:stretch>
+            <a:fillRect/>
+          </a:stretch>
+        </p:blipFill>
+        <p:spPr bwMode="auto">
+          <a:xfrm>
+            <a:off x="2915815" y="4398685"/>
+            <a:ext cx="2847975" cy="523875"/>
+          </a:xfrm>
+          <a:prstGeom prst="rect">
+            <a:avLst/>
+          </a:prstGeom>
+          <a:noFill/>
+          <a:ln>
+            <a:noFill/>
+          </a:ln>
+          <a:effectLst/>
+          <a:extLst>
+            <a:ext uri="{909E8E84-426E-40DD-AFC4-6F175D3DCCD1}">
+              <a14:hiddenFill xmlns:a14="http://schemas.microsoft.com/office/drawing/2010/main">
+                <a:solidFill>
+                  <a:schemeClr val="accent1"/>
+                </a:solidFill>
+              </a14:hiddenFill>
+            </a:ext>
+            <a:ext uri="{91240B29-F687-4F45-9708-019B960494DF}">
+              <a14:hiddenLine xmlns:a14="http://schemas.microsoft.com/office/drawing/2010/main" w="9525">
+                <a:solidFill>
+                  <a:schemeClr val="tx1"/>
+                </a:solidFill>
+                <a:miter lim="800000"/>
+                <a:headEnd/>
+                <a:tailEnd/>
+              </a14:hiddenLine>
+            </a:ext>
+            <a:ext uri="{AF507438-7753-43E0-B8FC-AC1667EBCBE1}">
+              <a14:hiddenEffects xmlns:a14="http://schemas.microsoft.com/office/drawing/2010/main">
+                <a:effectLst>
+                  <a:outerShdw dist="35921" dir="2700000" algn="ctr" rotWithShape="0">
+                    <a:schemeClr val="bg2"/>
+                  </a:outerShdw>
+                </a:effectLst>
+              </a14:hiddenEffects>
+            </a:ext>
+          </a:extLst>
+        </p:spPr>
+      </p:pic>
+      <p:pic>
+        <p:nvPicPr>
+          <p:cNvPr id="1029" name="Picture 5"/>
+          <p:cNvPicPr>
+            <a:picLocks noChangeAspect="1" noChangeArrowheads="1"/>
+          </p:cNvPicPr>
+          <p:nvPr/>
+        </p:nvPicPr>
+        <p:blipFill>
+          <a:blip r:embed="rId6">
+            <a:extLst>
+              <a:ext uri="{28A0092B-C50C-407E-A947-70E740481C1C}">
+                <a14:useLocalDpi xmlns:a14="http://schemas.microsoft.com/office/drawing/2010/main" val="0"/>
+              </a:ext>
+            </a:extLst>
+          </a:blip>
+          <a:srcRect/>
+          <a:stretch>
+            <a:fillRect/>
+          </a:stretch>
+        </p:blipFill>
+        <p:spPr bwMode="auto">
+          <a:xfrm>
+            <a:off x="214064" y="4922560"/>
+            <a:ext cx="8393956" cy="1817248"/>
+          </a:xfrm>
+          <a:prstGeom prst="rect">
+            <a:avLst/>
+          </a:prstGeom>
+          <a:noFill/>
+          <a:ln>
+            <a:noFill/>
+          </a:ln>
+          <a:effectLst/>
+          <a:extLst>
+            <a:ext uri="{909E8E84-426E-40DD-AFC4-6F175D3DCCD1}">
+              <a14:hiddenFill xmlns:a14="http://schemas.microsoft.com/office/drawing/2010/main">
+                <a:solidFill>
+                  <a:schemeClr val="accent1"/>
+                </a:solidFill>
+              </a14:hiddenFill>
+            </a:ext>
+            <a:ext uri="{91240B29-F687-4F45-9708-019B960494DF}">
+              <a14:hiddenLine xmlns:a14="http://schemas.microsoft.com/office/drawing/2010/main" w="9525">
+                <a:solidFill>
+                  <a:schemeClr val="tx1"/>
+                </a:solidFill>
+                <a:miter lim="800000"/>
+                <a:headEnd/>
+                <a:tailEnd/>
+              </a14:hiddenLine>
+            </a:ext>
+            <a:ext uri="{AF507438-7753-43E0-B8FC-AC1667EBCBE1}">
+              <a14:hiddenEffects xmlns:a14="http://schemas.microsoft.com/office/drawing/2010/main">
+                <a:effectLst>
+                  <a:outerShdw dist="35921" dir="2700000" algn="ctr" rotWithShape="0">
+                    <a:schemeClr val="bg2"/>
+                  </a:outerShdw>
+                </a:effectLst>
+              </a14:hiddenEffects>
+            </a:ext>
+          </a:extLst>
+        </p:spPr>
+      </p:pic>
     </p:spTree>
     <p:extLst>
       <p:ext uri="{BB962C8B-B14F-4D97-AF65-F5344CB8AC3E}">
@@ -4489,6 +5154,289 @@
   <p:clrMapOvr>
     <a:masterClrMapping/>
   </p:clrMapOvr>
+  <p:timing>
+    <p:tnLst>
+      <p:par>
+        <p:cTn id="1" dur="indefinite" restart="never" nodeType="tmRoot"/>
+      </p:par>
+    </p:tnLst>
+  </p:timing>
+</p:sld>
+</file>
+
+<file path=ppt/slides/slide9.xml><?xml version="1.0" encoding="utf-8"?>
+<p:sld xmlns:a="http://schemas.openxmlformats.org/drawingml/2006/main" xmlns:r="http://schemas.openxmlformats.org/officeDocument/2006/relationships" xmlns:p="http://schemas.openxmlformats.org/presentationml/2006/main">
+  <p:cSld>
+    <p:spTree>
+      <p:nvGrpSpPr>
+        <p:cNvPr id="1" name=""/>
+        <p:cNvGrpSpPr/>
+        <p:nvPr/>
+      </p:nvGrpSpPr>
+      <p:grpSpPr>
+        <a:xfrm>
+          <a:off x="0" y="0"/>
+          <a:ext cx="0" cy="0"/>
+          <a:chOff x="0" y="0"/>
+          <a:chExt cx="0" cy="0"/>
+        </a:xfrm>
+      </p:grpSpPr>
+      <p:pic>
+        <p:nvPicPr>
+          <p:cNvPr id="2052" name="Picture 4"/>
+          <p:cNvPicPr>
+            <a:picLocks noChangeAspect="1" noChangeArrowheads="1"/>
+          </p:cNvPicPr>
+          <p:nvPr/>
+        </p:nvPicPr>
+        <p:blipFill>
+          <a:blip r:embed="rId2">
+            <a:extLst>
+              <a:ext uri="{28A0092B-C50C-407E-A947-70E740481C1C}">
+                <a14:useLocalDpi xmlns:a14="http://schemas.microsoft.com/office/drawing/2010/main" val="0"/>
+              </a:ext>
+            </a:extLst>
+          </a:blip>
+          <a:srcRect/>
+          <a:stretch>
+            <a:fillRect/>
+          </a:stretch>
+        </p:blipFill>
+        <p:spPr bwMode="auto">
+          <a:xfrm>
+            <a:off x="209550" y="3299591"/>
+            <a:ext cx="8458200" cy="1409700"/>
+          </a:xfrm>
+          <a:prstGeom prst="rect">
+            <a:avLst/>
+          </a:prstGeom>
+          <a:noFill/>
+          <a:ln>
+            <a:noFill/>
+          </a:ln>
+          <a:effectLst/>
+          <a:extLst>
+            <a:ext uri="{909E8E84-426E-40DD-AFC4-6F175D3DCCD1}">
+              <a14:hiddenFill xmlns:a14="http://schemas.microsoft.com/office/drawing/2010/main">
+                <a:solidFill>
+                  <a:schemeClr val="accent1"/>
+                </a:solidFill>
+              </a14:hiddenFill>
+            </a:ext>
+            <a:ext uri="{91240B29-F687-4F45-9708-019B960494DF}">
+              <a14:hiddenLine xmlns:a14="http://schemas.microsoft.com/office/drawing/2010/main" w="9525">
+                <a:solidFill>
+                  <a:schemeClr val="tx1"/>
+                </a:solidFill>
+                <a:miter lim="800000"/>
+                <a:headEnd/>
+                <a:tailEnd/>
+              </a14:hiddenLine>
+            </a:ext>
+            <a:ext uri="{AF507438-7753-43E0-B8FC-AC1667EBCBE1}">
+              <a14:hiddenEffects xmlns:a14="http://schemas.microsoft.com/office/drawing/2010/main">
+                <a:effectLst>
+                  <a:outerShdw dist="35921" dir="2700000" algn="ctr" rotWithShape="0">
+                    <a:schemeClr val="bg2"/>
+                  </a:outerShdw>
+                </a:effectLst>
+              </a14:hiddenEffects>
+            </a:ext>
+          </a:extLst>
+        </p:spPr>
+      </p:pic>
+      <p:sp>
+        <p:nvSpPr>
+          <p:cNvPr id="2" name="标题 1"/>
+          <p:cNvSpPr>
+            <a:spLocks noGrp="1"/>
+          </p:cNvSpPr>
+          <p:nvPr>
+            <p:ph type="title"/>
+          </p:nvPr>
+        </p:nvSpPr>
+        <p:spPr/>
+        <p:txBody>
+          <a:bodyPr>
+            <a:normAutofit fontScale="90000"/>
+          </a:bodyPr>
+          <a:lstStyle/>
+          <a:p>
+            <a:r>
+              <a:rPr lang="en-US" altLang="zh-CN" dirty="0"/>
+              <a:t>3.Introduce the Markov chain</a:t>
+            </a:r>
+            <a:br>
+              <a:rPr lang="en-US" altLang="zh-CN" dirty="0"/>
+            </a:br>
+            <a:endParaRPr lang="zh-CN" altLang="en-US" dirty="0"/>
+          </a:p>
+        </p:txBody>
+      </p:sp>
+      <p:pic>
+        <p:nvPicPr>
+          <p:cNvPr id="2050" name="Picture 2"/>
+          <p:cNvPicPr>
+            <a:picLocks noChangeAspect="1" noChangeArrowheads="1"/>
+          </p:cNvPicPr>
+          <p:nvPr/>
+        </p:nvPicPr>
+        <p:blipFill>
+          <a:blip r:embed="rId3">
+            <a:extLst>
+              <a:ext uri="{28A0092B-C50C-407E-A947-70E740481C1C}">
+                <a14:useLocalDpi xmlns:a14="http://schemas.microsoft.com/office/drawing/2010/main" val="0"/>
+              </a:ext>
+            </a:extLst>
+          </a:blip>
+          <a:srcRect/>
+          <a:stretch>
+            <a:fillRect/>
+          </a:stretch>
+        </p:blipFill>
+        <p:spPr bwMode="auto">
+          <a:xfrm>
+            <a:off x="6280122" y="4004441"/>
+            <a:ext cx="2850629" cy="3148456"/>
+          </a:xfrm>
+          <a:prstGeom prst="rect">
+            <a:avLst/>
+          </a:prstGeom>
+          <a:noFill/>
+          <a:ln>
+            <a:noFill/>
+          </a:ln>
+          <a:effectLst/>
+          <a:extLst>
+            <a:ext uri="{909E8E84-426E-40DD-AFC4-6F175D3DCCD1}">
+              <a14:hiddenFill xmlns:a14="http://schemas.microsoft.com/office/drawing/2010/main">
+                <a:solidFill>
+                  <a:schemeClr val="accent1"/>
+                </a:solidFill>
+              </a14:hiddenFill>
+            </a:ext>
+            <a:ext uri="{91240B29-F687-4F45-9708-019B960494DF}">
+              <a14:hiddenLine xmlns:a14="http://schemas.microsoft.com/office/drawing/2010/main" w="9525">
+                <a:solidFill>
+                  <a:schemeClr val="tx1"/>
+                </a:solidFill>
+                <a:miter lim="800000"/>
+                <a:headEnd/>
+                <a:tailEnd/>
+              </a14:hiddenLine>
+            </a:ext>
+            <a:ext uri="{AF507438-7753-43E0-B8FC-AC1667EBCBE1}">
+              <a14:hiddenEffects xmlns:a14="http://schemas.microsoft.com/office/drawing/2010/main">
+                <a:effectLst>
+                  <a:outerShdw dist="35921" dir="2700000" algn="ctr" rotWithShape="0">
+                    <a:schemeClr val="bg2"/>
+                  </a:outerShdw>
+                </a:effectLst>
+              </a14:hiddenEffects>
+            </a:ext>
+          </a:extLst>
+        </p:spPr>
+      </p:pic>
+      <p:sp>
+        <p:nvSpPr>
+          <p:cNvPr id="4" name="内容占位符 3"/>
+          <p:cNvSpPr>
+            <a:spLocks noGrp="1"/>
+          </p:cNvSpPr>
+          <p:nvPr>
+            <p:ph idx="1"/>
+          </p:nvPr>
+        </p:nvSpPr>
+        <p:spPr/>
+        <p:txBody>
+          <a:bodyPr/>
+          <a:lstStyle/>
+          <a:p>
+            <a:endParaRPr lang="zh-CN" altLang="en-US" dirty="0"/>
+          </a:p>
+        </p:txBody>
+      </p:sp>
+      <p:pic>
+        <p:nvPicPr>
+          <p:cNvPr id="2051" name="Picture 3"/>
+          <p:cNvPicPr>
+            <a:picLocks noChangeAspect="1" noChangeArrowheads="1"/>
+          </p:cNvPicPr>
+          <p:nvPr/>
+        </p:nvPicPr>
+        <p:blipFill>
+          <a:blip r:embed="rId4">
+            <a:extLst>
+              <a:ext uri="{28A0092B-C50C-407E-A947-70E740481C1C}">
+                <a14:useLocalDpi xmlns:a14="http://schemas.microsoft.com/office/drawing/2010/main" val="0"/>
+              </a:ext>
+            </a:extLst>
+          </a:blip>
+          <a:srcRect/>
+          <a:stretch>
+            <a:fillRect/>
+          </a:stretch>
+        </p:blipFill>
+        <p:spPr bwMode="auto">
+          <a:xfrm>
+            <a:off x="209550" y="764704"/>
+            <a:ext cx="8724900" cy="2390775"/>
+          </a:xfrm>
+          <a:prstGeom prst="rect">
+            <a:avLst/>
+          </a:prstGeom>
+          <a:noFill/>
+          <a:ln>
+            <a:noFill/>
+          </a:ln>
+          <a:effectLst/>
+          <a:extLst>
+            <a:ext uri="{909E8E84-426E-40DD-AFC4-6F175D3DCCD1}">
+              <a14:hiddenFill xmlns:a14="http://schemas.microsoft.com/office/drawing/2010/main">
+                <a:solidFill>
+                  <a:schemeClr val="accent1"/>
+                </a:solidFill>
+              </a14:hiddenFill>
+            </a:ext>
+            <a:ext uri="{91240B29-F687-4F45-9708-019B960494DF}">
+              <a14:hiddenLine xmlns:a14="http://schemas.microsoft.com/office/drawing/2010/main" w="9525">
+                <a:solidFill>
+                  <a:schemeClr val="tx1"/>
+                </a:solidFill>
+                <a:miter lim="800000"/>
+                <a:headEnd/>
+                <a:tailEnd/>
+              </a14:hiddenLine>
+            </a:ext>
+            <a:ext uri="{AF507438-7753-43E0-B8FC-AC1667EBCBE1}">
+              <a14:hiddenEffects xmlns:a14="http://schemas.microsoft.com/office/drawing/2010/main">
+                <a:effectLst>
+                  <a:outerShdw dist="35921" dir="2700000" algn="ctr" rotWithShape="0">
+                    <a:schemeClr val="bg2"/>
+                  </a:outerShdw>
+                </a:effectLst>
+              </a14:hiddenEffects>
+            </a:ext>
+          </a:extLst>
+        </p:spPr>
+      </p:pic>
+    </p:spTree>
+    <p:extLst>
+      <p:ext uri="{BB962C8B-B14F-4D97-AF65-F5344CB8AC3E}">
+        <p14:creationId xmlns:p14="http://schemas.microsoft.com/office/powerpoint/2010/main" val="448948934"/>
+      </p:ext>
+    </p:extLst>
+  </p:cSld>
+  <p:clrMapOvr>
+    <a:masterClrMapping/>
+  </p:clrMapOvr>
+  <p:timing>
+    <p:tnLst>
+      <p:par>
+        <p:cTn id="1" dur="indefinite" restart="never" nodeType="tmRoot"/>
+      </p:par>
+    </p:tnLst>
+  </p:timing>
 </p:sld>
 </file>
 

--- a/approximate counting/approximate counting and sampling.pptx
+++ b/approximate counting/approximate counting and sampling.pptx
@@ -8,7 +8,14 @@
     <p:sldId id="256" r:id="rId2"/>
     <p:sldId id="257" r:id="rId3"/>
     <p:sldId id="259" r:id="rId4"/>
-    <p:sldId id="258" r:id="rId5"/>
+    <p:sldId id="262" r:id="rId5"/>
+    <p:sldId id="260" r:id="rId6"/>
+    <p:sldId id="261" r:id="rId7"/>
+    <p:sldId id="263" r:id="rId8"/>
+    <p:sldId id="264" r:id="rId9"/>
+    <p:sldId id="265" r:id="rId10"/>
+    <p:sldId id="267" r:id="rId11"/>
+    <p:sldId id="266" r:id="rId12"/>
   </p:sldIdLst>
   <p:sldSz cx="9144000" cy="6858000" type="screen4x3"/>
   <p:notesSz cx="6858000" cy="9144000"/>
@@ -291,7 +298,7 @@
           <a:p>
             <a:fld id="{530820CF-B880-4189-942D-D702A7CBA730}" type="datetimeFigureOut">
               <a:rPr lang="zh-CN" altLang="en-US" smtClean="0"/>
-              <a:t>2012/12/11</a:t>
+              <a:t>2012/12/12</a:t>
             </a:fld>
             <a:endParaRPr lang="zh-CN" altLang="en-US"/>
           </a:p>
@@ -456,7 +463,7 @@
           <a:p>
             <a:fld id="{530820CF-B880-4189-942D-D702A7CBA730}" type="datetimeFigureOut">
               <a:rPr lang="zh-CN" altLang="en-US" smtClean="0"/>
-              <a:t>2012/12/11</a:t>
+              <a:t>2012/12/12</a:t>
             </a:fld>
             <a:endParaRPr lang="zh-CN" altLang="en-US"/>
           </a:p>
@@ -631,7 +638,7 @@
           <a:p>
             <a:fld id="{530820CF-B880-4189-942D-D702A7CBA730}" type="datetimeFigureOut">
               <a:rPr lang="zh-CN" altLang="en-US" smtClean="0"/>
-              <a:t>2012/12/11</a:t>
+              <a:t>2012/12/12</a:t>
             </a:fld>
             <a:endParaRPr lang="zh-CN" altLang="en-US"/>
           </a:p>
@@ -796,7 +803,7 @@
           <a:p>
             <a:fld id="{530820CF-B880-4189-942D-D702A7CBA730}" type="datetimeFigureOut">
               <a:rPr lang="zh-CN" altLang="en-US" smtClean="0"/>
-              <a:t>2012/12/11</a:t>
+              <a:t>2012/12/12</a:t>
             </a:fld>
             <a:endParaRPr lang="zh-CN" altLang="en-US"/>
           </a:p>
@@ -1037,7 +1044,7 @@
           <a:p>
             <a:fld id="{530820CF-B880-4189-942D-D702A7CBA730}" type="datetimeFigureOut">
               <a:rPr lang="zh-CN" altLang="en-US" smtClean="0"/>
-              <a:t>2012/12/11</a:t>
+              <a:t>2012/12/12</a:t>
             </a:fld>
             <a:endParaRPr lang="zh-CN" altLang="en-US"/>
           </a:p>
@@ -1320,7 +1327,7 @@
           <a:p>
             <a:fld id="{530820CF-B880-4189-942D-D702A7CBA730}" type="datetimeFigureOut">
               <a:rPr lang="zh-CN" altLang="en-US" smtClean="0"/>
-              <a:t>2012/12/11</a:t>
+              <a:t>2012/12/12</a:t>
             </a:fld>
             <a:endParaRPr lang="zh-CN" altLang="en-US"/>
           </a:p>
@@ -1737,7 +1744,7 @@
           <a:p>
             <a:fld id="{530820CF-B880-4189-942D-D702A7CBA730}" type="datetimeFigureOut">
               <a:rPr lang="zh-CN" altLang="en-US" smtClean="0"/>
-              <a:t>2012/12/11</a:t>
+              <a:t>2012/12/12</a:t>
             </a:fld>
             <a:endParaRPr lang="zh-CN" altLang="en-US"/>
           </a:p>
@@ -1850,7 +1857,7 @@
           <a:p>
             <a:fld id="{530820CF-B880-4189-942D-D702A7CBA730}" type="datetimeFigureOut">
               <a:rPr lang="zh-CN" altLang="en-US" smtClean="0"/>
-              <a:t>2012/12/11</a:t>
+              <a:t>2012/12/12</a:t>
             </a:fld>
             <a:endParaRPr lang="zh-CN" altLang="en-US"/>
           </a:p>
@@ -1940,7 +1947,7 @@
           <a:p>
             <a:fld id="{530820CF-B880-4189-942D-D702A7CBA730}" type="datetimeFigureOut">
               <a:rPr lang="zh-CN" altLang="en-US" smtClean="0"/>
-              <a:t>2012/12/11</a:t>
+              <a:t>2012/12/12</a:t>
             </a:fld>
             <a:endParaRPr lang="zh-CN" altLang="en-US"/>
           </a:p>
@@ -2212,7 +2219,7 @@
           <a:p>
             <a:fld id="{530820CF-B880-4189-942D-D702A7CBA730}" type="datetimeFigureOut">
               <a:rPr lang="zh-CN" altLang="en-US" smtClean="0"/>
-              <a:t>2012/12/11</a:t>
+              <a:t>2012/12/12</a:t>
             </a:fld>
             <a:endParaRPr lang="zh-CN" altLang="en-US"/>
           </a:p>
@@ -2460,7 +2467,7 @@
           <a:p>
             <a:fld id="{530820CF-B880-4189-942D-D702A7CBA730}" type="datetimeFigureOut">
               <a:rPr lang="zh-CN" altLang="en-US" smtClean="0"/>
-              <a:t>2012/12/11</a:t>
+              <a:t>2012/12/12</a:t>
             </a:fld>
             <a:endParaRPr lang="zh-CN" altLang="en-US"/>
           </a:p>
@@ -2668,7 +2675,7 @@
           <a:p>
             <a:fld id="{530820CF-B880-4189-942D-D702A7CBA730}" type="datetimeFigureOut">
               <a:rPr lang="zh-CN" altLang="en-US" smtClean="0"/>
-              <a:t>2012/12/11</a:t>
+              <a:t>2012/12/12</a:t>
             </a:fld>
             <a:endParaRPr lang="zh-CN" altLang="en-US"/>
           </a:p>
@@ -3115,6 +3122,322 @@
 </p:sld>
 </file>
 
+<file path=ppt/slides/slide10.xml><?xml version="1.0" encoding="utf-8"?>
+<p:sld xmlns:a="http://schemas.openxmlformats.org/drawingml/2006/main" xmlns:r="http://schemas.openxmlformats.org/officeDocument/2006/relationships" xmlns:p="http://schemas.openxmlformats.org/presentationml/2006/main">
+  <p:cSld>
+    <p:spTree>
+      <p:nvGrpSpPr>
+        <p:cNvPr id="1" name=""/>
+        <p:cNvGrpSpPr/>
+        <p:nvPr/>
+      </p:nvGrpSpPr>
+      <p:grpSpPr>
+        <a:xfrm>
+          <a:off x="0" y="0"/>
+          <a:ext cx="0" cy="0"/>
+          <a:chOff x="0" y="0"/>
+          <a:chExt cx="0" cy="0"/>
+        </a:xfrm>
+      </p:grpSpPr>
+      <p:sp>
+        <p:nvSpPr>
+          <p:cNvPr id="2" name="标题 1"/>
+          <p:cNvSpPr>
+            <a:spLocks noGrp="1"/>
+          </p:cNvSpPr>
+          <p:nvPr>
+            <p:ph type="title"/>
+          </p:nvPr>
+        </p:nvSpPr>
+        <p:spPr/>
+        <p:txBody>
+          <a:bodyPr/>
+          <a:lstStyle/>
+          <a:p>
+            <a:r>
+              <a:rPr lang="en-US" altLang="zh-CN" dirty="0" smtClean="0"/>
+              <a:t>Rapid Mixing</a:t>
+            </a:r>
+            <a:endParaRPr lang="zh-CN" altLang="en-US" dirty="0"/>
+          </a:p>
+        </p:txBody>
+      </p:sp>
+      <p:sp>
+        <p:nvSpPr>
+          <p:cNvPr id="3" name="内容占位符 2"/>
+          <p:cNvSpPr>
+            <a:spLocks noGrp="1"/>
+          </p:cNvSpPr>
+          <p:nvPr>
+            <p:ph idx="1"/>
+          </p:nvPr>
+        </p:nvSpPr>
+        <p:spPr>
+          <a:xfrm>
+            <a:off x="467544" y="4509120"/>
+            <a:ext cx="8291264" cy="1761059"/>
+          </a:xfrm>
+        </p:spPr>
+        <p:txBody>
+          <a:bodyPr>
+            <a:normAutofit fontScale="92500"/>
+          </a:bodyPr>
+          <a:lstStyle/>
+          <a:p>
+            <a:r>
+              <a:rPr lang="en-US" altLang="zh-CN" dirty="0" smtClean="0"/>
+              <a:t>Rapid mixing means, if I start from some state and walk enough long, I will soon get to a distribution, so we have almost uniform </a:t>
+            </a:r>
+            <a:r>
+              <a:rPr lang="en-US" altLang="zh-CN" dirty="0" err="1" smtClean="0"/>
+              <a:t>geneator</a:t>
+            </a:r>
+            <a:endParaRPr lang="zh-CN" altLang="en-US" dirty="0"/>
+          </a:p>
+        </p:txBody>
+      </p:sp>
+      <p:pic>
+        <p:nvPicPr>
+          <p:cNvPr id="4098" name="Picture 2"/>
+          <p:cNvPicPr>
+            <a:picLocks noChangeAspect="1" noChangeArrowheads="1"/>
+          </p:cNvPicPr>
+          <p:nvPr/>
+        </p:nvPicPr>
+        <p:blipFill>
+          <a:blip r:embed="rId2">
+            <a:extLst>
+              <a:ext uri="{28A0092B-C50C-407E-A947-70E740481C1C}">
+                <a14:useLocalDpi xmlns:a14="http://schemas.microsoft.com/office/drawing/2010/main" val="0"/>
+              </a:ext>
+            </a:extLst>
+          </a:blip>
+          <a:srcRect/>
+          <a:stretch>
+            <a:fillRect/>
+          </a:stretch>
+        </p:blipFill>
+        <p:spPr bwMode="auto">
+          <a:xfrm>
+            <a:off x="611560" y="1455974"/>
+            <a:ext cx="7790259" cy="2765114"/>
+          </a:xfrm>
+          <a:prstGeom prst="rect">
+            <a:avLst/>
+          </a:prstGeom>
+          <a:noFill/>
+          <a:ln>
+            <a:noFill/>
+          </a:ln>
+          <a:effectLst/>
+          <a:extLst>
+            <a:ext uri="{909E8E84-426E-40DD-AFC4-6F175D3DCCD1}">
+              <a14:hiddenFill xmlns:a14="http://schemas.microsoft.com/office/drawing/2010/main">
+                <a:solidFill>
+                  <a:schemeClr val="accent1"/>
+                </a:solidFill>
+              </a14:hiddenFill>
+            </a:ext>
+            <a:ext uri="{91240B29-F687-4F45-9708-019B960494DF}">
+              <a14:hiddenLine xmlns:a14="http://schemas.microsoft.com/office/drawing/2010/main" w="9525">
+                <a:solidFill>
+                  <a:schemeClr val="tx1"/>
+                </a:solidFill>
+                <a:miter lim="800000"/>
+                <a:headEnd/>
+                <a:tailEnd/>
+              </a14:hiddenLine>
+            </a:ext>
+            <a:ext uri="{AF507438-7753-43E0-B8FC-AC1667EBCBE1}">
+              <a14:hiddenEffects xmlns:a14="http://schemas.microsoft.com/office/drawing/2010/main">
+                <a:effectLst>
+                  <a:outerShdw dist="35921" dir="2700000" algn="ctr" rotWithShape="0">
+                    <a:schemeClr val="bg2"/>
+                  </a:outerShdw>
+                </a:effectLst>
+              </a14:hiddenEffects>
+            </a:ext>
+          </a:extLst>
+        </p:spPr>
+      </p:pic>
+    </p:spTree>
+    <p:extLst>
+      <p:ext uri="{BB962C8B-B14F-4D97-AF65-F5344CB8AC3E}">
+        <p14:creationId xmlns:p14="http://schemas.microsoft.com/office/powerpoint/2010/main" val="1649601385"/>
+      </p:ext>
+    </p:extLst>
+  </p:cSld>
+  <p:clrMapOvr>
+    <a:masterClrMapping/>
+  </p:clrMapOvr>
+</p:sld>
+</file>
+
+<file path=ppt/slides/slide11.xml><?xml version="1.0" encoding="utf-8"?>
+<p:sld xmlns:a="http://schemas.openxmlformats.org/drawingml/2006/main" xmlns:r="http://schemas.openxmlformats.org/officeDocument/2006/relationships" xmlns:p="http://schemas.openxmlformats.org/presentationml/2006/main">
+  <p:cSld>
+    <p:spTree>
+      <p:nvGrpSpPr>
+        <p:cNvPr id="1" name=""/>
+        <p:cNvGrpSpPr/>
+        <p:nvPr/>
+      </p:nvGrpSpPr>
+      <p:grpSpPr>
+        <a:xfrm>
+          <a:off x="0" y="0"/>
+          <a:ext cx="0" cy="0"/>
+          <a:chOff x="0" y="0"/>
+          <a:chExt cx="0" cy="0"/>
+        </a:xfrm>
+      </p:grpSpPr>
+      <p:pic>
+        <p:nvPicPr>
+          <p:cNvPr id="3075" name="Picture 3"/>
+          <p:cNvPicPr>
+            <a:picLocks noChangeAspect="1" noChangeArrowheads="1"/>
+          </p:cNvPicPr>
+          <p:nvPr/>
+        </p:nvPicPr>
+        <p:blipFill>
+          <a:blip r:embed="rId2">
+            <a:extLst>
+              <a:ext uri="{28A0092B-C50C-407E-A947-70E740481C1C}">
+                <a14:useLocalDpi xmlns:a14="http://schemas.microsoft.com/office/drawing/2010/main" val="0"/>
+              </a:ext>
+            </a:extLst>
+          </a:blip>
+          <a:srcRect/>
+          <a:stretch>
+            <a:fillRect/>
+          </a:stretch>
+        </p:blipFill>
+        <p:spPr bwMode="auto">
+          <a:xfrm>
+            <a:off x="366713" y="404664"/>
+            <a:ext cx="8410575" cy="771525"/>
+          </a:xfrm>
+          <a:prstGeom prst="rect">
+            <a:avLst/>
+          </a:prstGeom>
+          <a:noFill/>
+          <a:ln>
+            <a:noFill/>
+          </a:ln>
+          <a:effectLst/>
+          <a:extLst>
+            <a:ext uri="{909E8E84-426E-40DD-AFC4-6F175D3DCCD1}">
+              <a14:hiddenFill xmlns:a14="http://schemas.microsoft.com/office/drawing/2010/main">
+                <a:solidFill>
+                  <a:schemeClr val="accent1"/>
+                </a:solidFill>
+              </a14:hiddenFill>
+            </a:ext>
+            <a:ext uri="{91240B29-F687-4F45-9708-019B960494DF}">
+              <a14:hiddenLine xmlns:a14="http://schemas.microsoft.com/office/drawing/2010/main" w="9525">
+                <a:solidFill>
+                  <a:schemeClr val="tx1"/>
+                </a:solidFill>
+                <a:miter lim="800000"/>
+                <a:headEnd/>
+                <a:tailEnd/>
+              </a14:hiddenLine>
+            </a:ext>
+            <a:ext uri="{AF507438-7753-43E0-B8FC-AC1667EBCBE1}">
+              <a14:hiddenEffects xmlns:a14="http://schemas.microsoft.com/office/drawing/2010/main">
+                <a:effectLst>
+                  <a:outerShdw dist="35921" dir="2700000" algn="ctr" rotWithShape="0">
+                    <a:schemeClr val="bg2"/>
+                  </a:outerShdw>
+                </a:effectLst>
+              </a14:hiddenEffects>
+            </a:ext>
+          </a:extLst>
+        </p:spPr>
+      </p:pic>
+      <p:pic>
+        <p:nvPicPr>
+          <p:cNvPr id="3076" name="Picture 4"/>
+          <p:cNvPicPr>
+            <a:picLocks noChangeAspect="1" noChangeArrowheads="1"/>
+          </p:cNvPicPr>
+          <p:nvPr/>
+        </p:nvPicPr>
+        <p:blipFill>
+          <a:blip r:embed="rId3">
+            <a:extLst>
+              <a:ext uri="{28A0092B-C50C-407E-A947-70E740481C1C}">
+                <a14:useLocalDpi xmlns:a14="http://schemas.microsoft.com/office/drawing/2010/main" val="0"/>
+              </a:ext>
+            </a:extLst>
+          </a:blip>
+          <a:srcRect/>
+          <a:stretch>
+            <a:fillRect/>
+          </a:stretch>
+        </p:blipFill>
+        <p:spPr bwMode="auto">
+          <a:xfrm>
+            <a:off x="257175" y="1268760"/>
+            <a:ext cx="8629650" cy="3943350"/>
+          </a:xfrm>
+          <a:prstGeom prst="rect">
+            <a:avLst/>
+          </a:prstGeom>
+          <a:noFill/>
+          <a:ln>
+            <a:noFill/>
+          </a:ln>
+          <a:effectLst/>
+          <a:extLst>
+            <a:ext uri="{909E8E84-426E-40DD-AFC4-6F175D3DCCD1}">
+              <a14:hiddenFill xmlns:a14="http://schemas.microsoft.com/office/drawing/2010/main">
+                <a:solidFill>
+                  <a:schemeClr val="accent1"/>
+                </a:solidFill>
+              </a14:hiddenFill>
+            </a:ext>
+            <a:ext uri="{91240B29-F687-4F45-9708-019B960494DF}">
+              <a14:hiddenLine xmlns:a14="http://schemas.microsoft.com/office/drawing/2010/main" w="9525">
+                <a:solidFill>
+                  <a:schemeClr val="tx1"/>
+                </a:solidFill>
+                <a:miter lim="800000"/>
+                <a:headEnd/>
+                <a:tailEnd/>
+              </a14:hiddenLine>
+            </a:ext>
+            <a:ext uri="{AF507438-7753-43E0-B8FC-AC1667EBCBE1}">
+              <a14:hiddenEffects xmlns:a14="http://schemas.microsoft.com/office/drawing/2010/main">
+                <a:effectLst>
+                  <a:outerShdw dist="35921" dir="2700000" algn="ctr" rotWithShape="0">
+                    <a:schemeClr val="bg2"/>
+                  </a:outerShdw>
+                </a:effectLst>
+              </a14:hiddenEffects>
+            </a:ext>
+          </a:extLst>
+        </p:spPr>
+      </p:pic>
+    </p:spTree>
+    <p:extLst>
+      <p:ext uri="{BB962C8B-B14F-4D97-AF65-F5344CB8AC3E}">
+        <p14:creationId xmlns:p14="http://schemas.microsoft.com/office/powerpoint/2010/main" val="2494881537"/>
+      </p:ext>
+    </p:extLst>
+  </p:cSld>
+  <p:clrMapOvr>
+    <a:masterClrMapping/>
+  </p:clrMapOvr>
+  <p:timing>
+    <p:tnLst>
+      <p:par>
+        <p:cTn id="1" dur="indefinite" restart="never" nodeType="tmRoot"/>
+      </p:par>
+    </p:tnLst>
+  </p:timing>
+</p:sld>
+</file>
+
 <file path=ppt/slides/slide2.xml><?xml version="1.0" encoding="utf-8"?>
 <p:sld xmlns:a="http://schemas.openxmlformats.org/drawingml/2006/main" xmlns:r="http://schemas.openxmlformats.org/officeDocument/2006/relationships" xmlns:p="http://schemas.openxmlformats.org/presentationml/2006/main">
   <p:cSld>
@@ -3452,11 +3775,7 @@
             </a:pPr>
             <a:r>
               <a:rPr lang="en-US" altLang="zh-CN" sz="2000" dirty="0" smtClean="0"/>
-              <a:t>In fact it’s enough to set the </a:t>
-            </a:r>
-            <a:r>
-              <a:rPr lang="en-US" altLang="zh-CN" sz="2000" dirty="0" smtClean="0"/>
-              <a:t>δ to ¼</a:t>
+              <a:t>In fact it’s enough to set the δ to ¼</a:t>
             </a:r>
             <a:r>
               <a:rPr lang="zh-CN" altLang="en-US" sz="2000" dirty="0" smtClean="0"/>
@@ -3631,7 +3950,1480 @@
     </p:spTree>
     <p:extLst>
       <p:ext uri="{BB962C8B-B14F-4D97-AF65-F5344CB8AC3E}">
-        <p14:creationId xmlns:p14="http://schemas.microsoft.com/office/powerpoint/2010/main" val="1579202330"/>
+        <p14:creationId xmlns:p14="http://schemas.microsoft.com/office/powerpoint/2010/main" val="30608259"/>
+      </p:ext>
+    </p:extLst>
+  </p:cSld>
+  <p:clrMapOvr>
+    <a:masterClrMapping/>
+  </p:clrMapOvr>
+  <p:timing>
+    <p:tnLst>
+      <p:par>
+        <p:cTn id="1" dur="indefinite" restart="never" nodeType="tmRoot"/>
+      </p:par>
+    </p:tnLst>
+  </p:timing>
+</p:sld>
+</file>
+
+<file path=ppt/slides/slide5.xml><?xml version="1.0" encoding="utf-8"?>
+<p:sld xmlns:a="http://schemas.openxmlformats.org/drawingml/2006/main" xmlns:r="http://schemas.openxmlformats.org/officeDocument/2006/relationships" xmlns:p="http://schemas.openxmlformats.org/presentationml/2006/main">
+  <p:cSld>
+    <p:spTree>
+      <p:nvGrpSpPr>
+        <p:cNvPr id="1" name=""/>
+        <p:cNvGrpSpPr/>
+        <p:nvPr/>
+      </p:nvGrpSpPr>
+      <p:grpSpPr>
+        <a:xfrm>
+          <a:off x="0" y="0"/>
+          <a:ext cx="0" cy="0"/>
+          <a:chOff x="0" y="0"/>
+          <a:chExt cx="0" cy="0"/>
+        </a:xfrm>
+      </p:grpSpPr>
+      <p:sp>
+        <p:nvSpPr>
+          <p:cNvPr id="3" name="内容占位符 2"/>
+          <p:cNvSpPr>
+            <a:spLocks noGrp="1"/>
+          </p:cNvSpPr>
+          <p:nvPr>
+            <p:ph idx="1"/>
+          </p:nvPr>
+        </p:nvSpPr>
+        <p:spPr>
+          <a:xfrm>
+            <a:off x="457200" y="260648"/>
+            <a:ext cx="8229600" cy="5865515"/>
+          </a:xfrm>
+        </p:spPr>
+        <p:txBody>
+          <a:bodyPr/>
+          <a:lstStyle/>
+          <a:p>
+            <a:r>
+              <a:rPr lang="en-US" altLang="zh-CN" dirty="0" smtClean="0"/>
+              <a:t>FPAUS</a:t>
+            </a:r>
+            <a:endParaRPr lang="zh-CN" altLang="en-US" dirty="0"/>
+          </a:p>
+        </p:txBody>
+      </p:sp>
+      <p:pic>
+        <p:nvPicPr>
+          <p:cNvPr id="1026" name="Picture 2"/>
+          <p:cNvPicPr>
+            <a:picLocks noChangeAspect="1" noChangeArrowheads="1"/>
+          </p:cNvPicPr>
+          <p:nvPr/>
+        </p:nvPicPr>
+        <p:blipFill>
+          <a:blip r:embed="rId2">
+            <a:extLst>
+              <a:ext uri="{28A0092B-C50C-407E-A947-70E740481C1C}">
+                <a14:useLocalDpi xmlns:a14="http://schemas.microsoft.com/office/drawing/2010/main" val="0"/>
+              </a:ext>
+            </a:extLst>
+          </a:blip>
+          <a:srcRect/>
+          <a:stretch>
+            <a:fillRect/>
+          </a:stretch>
+        </p:blipFill>
+        <p:spPr bwMode="auto">
+          <a:xfrm>
+            <a:off x="0" y="1916832"/>
+            <a:ext cx="8964488" cy="3057205"/>
+          </a:xfrm>
+          <a:prstGeom prst="rect">
+            <a:avLst/>
+          </a:prstGeom>
+          <a:noFill/>
+          <a:ln>
+            <a:noFill/>
+          </a:ln>
+          <a:effectLst/>
+          <a:extLst>
+            <a:ext uri="{909E8E84-426E-40DD-AFC4-6F175D3DCCD1}">
+              <a14:hiddenFill xmlns:a14="http://schemas.microsoft.com/office/drawing/2010/main">
+                <a:solidFill>
+                  <a:schemeClr val="accent1"/>
+                </a:solidFill>
+              </a14:hiddenFill>
+            </a:ext>
+            <a:ext uri="{91240B29-F687-4F45-9708-019B960494DF}">
+              <a14:hiddenLine xmlns:a14="http://schemas.microsoft.com/office/drawing/2010/main" w="9525">
+                <a:solidFill>
+                  <a:schemeClr val="tx1"/>
+                </a:solidFill>
+                <a:miter lim="800000"/>
+                <a:headEnd/>
+                <a:tailEnd/>
+              </a14:hiddenLine>
+            </a:ext>
+            <a:ext uri="{AF507438-7753-43E0-B8FC-AC1667EBCBE1}">
+              <a14:hiddenEffects xmlns:a14="http://schemas.microsoft.com/office/drawing/2010/main">
+                <a:effectLst>
+                  <a:outerShdw dist="35921" dir="2700000" algn="ctr" rotWithShape="0">
+                    <a:schemeClr val="bg2"/>
+                  </a:outerShdw>
+                </a:effectLst>
+              </a14:hiddenEffects>
+            </a:ext>
+          </a:extLst>
+        </p:spPr>
+      </p:pic>
+    </p:spTree>
+    <p:extLst>
+      <p:ext uri="{BB962C8B-B14F-4D97-AF65-F5344CB8AC3E}">
+        <p14:creationId xmlns:p14="http://schemas.microsoft.com/office/powerpoint/2010/main" val="4179629578"/>
+      </p:ext>
+    </p:extLst>
+  </p:cSld>
+  <p:clrMapOvr>
+    <a:masterClrMapping/>
+  </p:clrMapOvr>
+  <p:timing>
+    <p:tnLst>
+      <p:par>
+        <p:cTn id="1" dur="indefinite" restart="never" nodeType="tmRoot"/>
+      </p:par>
+    </p:tnLst>
+  </p:timing>
+</p:sld>
+</file>
+
+<file path=ppt/slides/slide6.xml><?xml version="1.0" encoding="utf-8"?>
+<p:sld xmlns:a="http://schemas.openxmlformats.org/drawingml/2006/main" xmlns:r="http://schemas.openxmlformats.org/officeDocument/2006/relationships" xmlns:p="http://schemas.openxmlformats.org/presentationml/2006/main">
+  <p:cSld>
+    <p:spTree>
+      <p:nvGrpSpPr>
+        <p:cNvPr id="1" name=""/>
+        <p:cNvGrpSpPr/>
+        <p:nvPr/>
+      </p:nvGrpSpPr>
+      <p:grpSpPr>
+        <a:xfrm>
+          <a:off x="0" y="0"/>
+          <a:ext cx="0" cy="0"/>
+          <a:chOff x="0" y="0"/>
+          <a:chExt cx="0" cy="0"/>
+        </a:xfrm>
+      </p:grpSpPr>
+      <p:sp>
+        <p:nvSpPr>
+          <p:cNvPr id="2" name="标题 1"/>
+          <p:cNvSpPr>
+            <a:spLocks noGrp="1"/>
+          </p:cNvSpPr>
+          <p:nvPr>
+            <p:ph type="title"/>
+          </p:nvPr>
+        </p:nvSpPr>
+        <p:spPr/>
+        <p:txBody>
+          <a:bodyPr/>
+          <a:lstStyle/>
+          <a:p>
+            <a:r>
+              <a:rPr lang="en-US" altLang="zh-CN" dirty="0" smtClean="0"/>
+              <a:t>Equivalence</a:t>
+            </a:r>
+            <a:endParaRPr lang="zh-CN" altLang="en-US" dirty="0"/>
+          </a:p>
+        </p:txBody>
+      </p:sp>
+      <p:pic>
+        <p:nvPicPr>
+          <p:cNvPr id="2050" name="Picture 2"/>
+          <p:cNvPicPr>
+            <a:picLocks noChangeAspect="1" noChangeArrowheads="1"/>
+          </p:cNvPicPr>
+          <p:nvPr/>
+        </p:nvPicPr>
+        <p:blipFill>
+          <a:blip r:embed="rId2">
+            <a:extLst>
+              <a:ext uri="{28A0092B-C50C-407E-A947-70E740481C1C}">
+                <a14:useLocalDpi xmlns:a14="http://schemas.microsoft.com/office/drawing/2010/main" val="0"/>
+              </a:ext>
+            </a:extLst>
+          </a:blip>
+          <a:srcRect/>
+          <a:stretch>
+            <a:fillRect/>
+          </a:stretch>
+        </p:blipFill>
+        <p:spPr bwMode="auto">
+          <a:xfrm>
+            <a:off x="179512" y="1969988"/>
+            <a:ext cx="9534525" cy="1114425"/>
+          </a:xfrm>
+          <a:prstGeom prst="rect">
+            <a:avLst/>
+          </a:prstGeom>
+          <a:noFill/>
+          <a:ln>
+            <a:noFill/>
+          </a:ln>
+          <a:effectLst/>
+          <a:extLst>
+            <a:ext uri="{909E8E84-426E-40DD-AFC4-6F175D3DCCD1}">
+              <a14:hiddenFill xmlns:a14="http://schemas.microsoft.com/office/drawing/2010/main">
+                <a:solidFill>
+                  <a:schemeClr val="accent1"/>
+                </a:solidFill>
+              </a14:hiddenFill>
+            </a:ext>
+            <a:ext uri="{91240B29-F687-4F45-9708-019B960494DF}">
+              <a14:hiddenLine xmlns:a14="http://schemas.microsoft.com/office/drawing/2010/main" w="9525">
+                <a:solidFill>
+                  <a:schemeClr val="tx1"/>
+                </a:solidFill>
+                <a:miter lim="800000"/>
+                <a:headEnd/>
+                <a:tailEnd/>
+              </a14:hiddenLine>
+            </a:ext>
+            <a:ext uri="{AF507438-7753-43E0-B8FC-AC1667EBCBE1}">
+              <a14:hiddenEffects xmlns:a14="http://schemas.microsoft.com/office/drawing/2010/main">
+                <a:effectLst>
+                  <a:outerShdw dist="35921" dir="2700000" algn="ctr" rotWithShape="0">
+                    <a:schemeClr val="bg2"/>
+                  </a:outerShdw>
+                </a:effectLst>
+              </a14:hiddenEffects>
+            </a:ext>
+          </a:extLst>
+        </p:spPr>
+      </p:pic>
+      <p:sp>
+        <p:nvSpPr>
+          <p:cNvPr id="6" name="内容占位符 2"/>
+          <p:cNvSpPr>
+            <a:spLocks noGrp="1"/>
+          </p:cNvSpPr>
+          <p:nvPr>
+            <p:ph idx="1"/>
+          </p:nvPr>
+        </p:nvSpPr>
+        <p:spPr>
+          <a:xfrm>
+            <a:off x="467544" y="3501008"/>
+            <a:ext cx="8229600" cy="3672408"/>
+          </a:xfrm>
+        </p:spPr>
+        <p:txBody>
+          <a:bodyPr>
+            <a:normAutofit/>
+          </a:bodyPr>
+          <a:lstStyle/>
+          <a:p>
+            <a:pPr marL="0" indent="0">
+              <a:buNone/>
+            </a:pPr>
+            <a:r>
+              <a:rPr lang="en-US" altLang="zh-CN" sz="2000" dirty="0" smtClean="0"/>
+              <a:t>In class, we will sketch the proof of FPRAS &lt;= FPAUS for a </a:t>
+            </a:r>
+            <a:r>
+              <a:rPr lang="en-US" altLang="zh-CN" sz="2000" dirty="0" smtClean="0">
+                <a:solidFill>
+                  <a:srgbClr val="FF0000"/>
+                </a:solidFill>
+              </a:rPr>
+              <a:t>self-reducible</a:t>
+            </a:r>
+            <a:r>
+              <a:rPr lang="en-US" altLang="zh-CN" sz="2000" dirty="0" smtClean="0"/>
+              <a:t> problem.</a:t>
+            </a:r>
+            <a:endParaRPr lang="zh-CN" altLang="en-US" sz="2000" dirty="0"/>
+          </a:p>
+          <a:p>
+            <a:pPr marL="0" indent="0">
+              <a:buNone/>
+            </a:pPr>
+            <a:endParaRPr lang="zh-CN" altLang="en-US" dirty="0" smtClean="0"/>
+          </a:p>
+          <a:p>
+            <a:pPr marL="0" indent="0">
+              <a:buNone/>
+            </a:pPr>
+            <a:r>
+              <a:rPr lang="zh-CN" altLang="en-US" dirty="0" smtClean="0"/>
+              <a:t>
+</a:t>
+            </a:r>
+            <a:endParaRPr lang="zh-CN" altLang="en-US" dirty="0"/>
+          </a:p>
+        </p:txBody>
+      </p:sp>
+      <p:pic>
+        <p:nvPicPr>
+          <p:cNvPr id="2051" name="Picture 3"/>
+          <p:cNvPicPr>
+            <a:picLocks noChangeAspect="1" noChangeArrowheads="1"/>
+          </p:cNvPicPr>
+          <p:nvPr/>
+        </p:nvPicPr>
+        <p:blipFill>
+          <a:blip r:embed="rId3">
+            <a:extLst>
+              <a:ext uri="{28A0092B-C50C-407E-A947-70E740481C1C}">
+                <a14:useLocalDpi xmlns:a14="http://schemas.microsoft.com/office/drawing/2010/main" val="0"/>
+              </a:ext>
+            </a:extLst>
+          </a:blip>
+          <a:srcRect/>
+          <a:stretch>
+            <a:fillRect/>
+          </a:stretch>
+        </p:blipFill>
+        <p:spPr bwMode="auto">
+          <a:xfrm>
+            <a:off x="172947" y="4581128"/>
+            <a:ext cx="8575517" cy="764391"/>
+          </a:xfrm>
+          <a:prstGeom prst="rect">
+            <a:avLst/>
+          </a:prstGeom>
+          <a:noFill/>
+          <a:ln>
+            <a:noFill/>
+          </a:ln>
+          <a:effectLst/>
+          <a:extLst>
+            <a:ext uri="{909E8E84-426E-40DD-AFC4-6F175D3DCCD1}">
+              <a14:hiddenFill xmlns:a14="http://schemas.microsoft.com/office/drawing/2010/main">
+                <a:solidFill>
+                  <a:schemeClr val="accent1"/>
+                </a:solidFill>
+              </a14:hiddenFill>
+            </a:ext>
+            <a:ext uri="{91240B29-F687-4F45-9708-019B960494DF}">
+              <a14:hiddenLine xmlns:a14="http://schemas.microsoft.com/office/drawing/2010/main" w="9525">
+                <a:solidFill>
+                  <a:schemeClr val="tx1"/>
+                </a:solidFill>
+                <a:miter lim="800000"/>
+                <a:headEnd/>
+                <a:tailEnd/>
+              </a14:hiddenLine>
+            </a:ext>
+            <a:ext uri="{AF507438-7753-43E0-B8FC-AC1667EBCBE1}">
+              <a14:hiddenEffects xmlns:a14="http://schemas.microsoft.com/office/drawing/2010/main">
+                <a:effectLst>
+                  <a:outerShdw dist="35921" dir="2700000" algn="ctr" rotWithShape="0">
+                    <a:schemeClr val="bg2"/>
+                  </a:outerShdw>
+                </a:effectLst>
+              </a14:hiddenEffects>
+            </a:ext>
+          </a:extLst>
+        </p:spPr>
+      </p:pic>
+    </p:spTree>
+    <p:extLst>
+      <p:ext uri="{BB962C8B-B14F-4D97-AF65-F5344CB8AC3E}">
+        <p14:creationId xmlns:p14="http://schemas.microsoft.com/office/powerpoint/2010/main" val="2224311074"/>
+      </p:ext>
+    </p:extLst>
+  </p:cSld>
+  <p:clrMapOvr>
+    <a:masterClrMapping/>
+  </p:clrMapOvr>
+  <p:timing>
+    <p:tnLst>
+      <p:par>
+        <p:cTn id="1" dur="indefinite" restart="never" nodeType="tmRoot"/>
+      </p:par>
+    </p:tnLst>
+  </p:timing>
+</p:sld>
+</file>
+
+<file path=ppt/slides/slide7.xml><?xml version="1.0" encoding="utf-8"?>
+<p:sld xmlns:a="http://schemas.openxmlformats.org/drawingml/2006/main" xmlns:r="http://schemas.openxmlformats.org/officeDocument/2006/relationships" xmlns:p="http://schemas.openxmlformats.org/presentationml/2006/main">
+  <p:cSld>
+    <p:spTree>
+      <p:nvGrpSpPr>
+        <p:cNvPr id="1" name=""/>
+        <p:cNvGrpSpPr/>
+        <p:nvPr/>
+      </p:nvGrpSpPr>
+      <p:grpSpPr>
+        <a:xfrm>
+          <a:off x="0" y="0"/>
+          <a:ext cx="0" cy="0"/>
+          <a:chOff x="0" y="0"/>
+          <a:chExt cx="0" cy="0"/>
+        </a:xfrm>
+      </p:grpSpPr>
+      <p:pic>
+        <p:nvPicPr>
+          <p:cNvPr id="3074" name="Picture 2"/>
+          <p:cNvPicPr>
+            <a:picLocks noChangeAspect="1" noChangeArrowheads="1"/>
+          </p:cNvPicPr>
+          <p:nvPr/>
+        </p:nvPicPr>
+        <p:blipFill>
+          <a:blip r:embed="rId2">
+            <a:extLst>
+              <a:ext uri="{28A0092B-C50C-407E-A947-70E740481C1C}">
+                <a14:useLocalDpi xmlns:a14="http://schemas.microsoft.com/office/drawing/2010/main" val="0"/>
+              </a:ext>
+            </a:extLst>
+          </a:blip>
+          <a:srcRect/>
+          <a:stretch>
+            <a:fillRect/>
+          </a:stretch>
+        </p:blipFill>
+        <p:spPr bwMode="auto">
+          <a:xfrm>
+            <a:off x="179512" y="332656"/>
+            <a:ext cx="8892479" cy="1675153"/>
+          </a:xfrm>
+          <a:prstGeom prst="rect">
+            <a:avLst/>
+          </a:prstGeom>
+          <a:noFill/>
+          <a:ln>
+            <a:noFill/>
+          </a:ln>
+          <a:effectLst/>
+          <a:extLst>
+            <a:ext uri="{909E8E84-426E-40DD-AFC4-6F175D3DCCD1}">
+              <a14:hiddenFill xmlns:a14="http://schemas.microsoft.com/office/drawing/2010/main">
+                <a:solidFill>
+                  <a:schemeClr val="accent1"/>
+                </a:solidFill>
+              </a14:hiddenFill>
+            </a:ext>
+            <a:ext uri="{91240B29-F687-4F45-9708-019B960494DF}">
+              <a14:hiddenLine xmlns:a14="http://schemas.microsoft.com/office/drawing/2010/main" w="9525">
+                <a:solidFill>
+                  <a:schemeClr val="tx1"/>
+                </a:solidFill>
+                <a:miter lim="800000"/>
+                <a:headEnd/>
+                <a:tailEnd/>
+              </a14:hiddenLine>
+            </a:ext>
+            <a:ext uri="{AF507438-7753-43E0-B8FC-AC1667EBCBE1}">
+              <a14:hiddenEffects xmlns:a14="http://schemas.microsoft.com/office/drawing/2010/main">
+                <a:effectLst>
+                  <a:outerShdw dist="35921" dir="2700000" algn="ctr" rotWithShape="0">
+                    <a:schemeClr val="bg2"/>
+                  </a:outerShdw>
+                </a:effectLst>
+              </a14:hiddenEffects>
+            </a:ext>
+          </a:extLst>
+        </p:spPr>
+      </p:pic>
+      <p:pic>
+        <p:nvPicPr>
+          <p:cNvPr id="3076" name="Picture 4"/>
+          <p:cNvPicPr>
+            <a:picLocks noChangeAspect="1" noChangeArrowheads="1"/>
+          </p:cNvPicPr>
+          <p:nvPr/>
+        </p:nvPicPr>
+        <p:blipFill>
+          <a:blip r:embed="rId3">
+            <a:extLst>
+              <a:ext uri="{28A0092B-C50C-407E-A947-70E740481C1C}">
+                <a14:useLocalDpi xmlns:a14="http://schemas.microsoft.com/office/drawing/2010/main" val="0"/>
+              </a:ext>
+            </a:extLst>
+          </a:blip>
+          <a:srcRect/>
+          <a:stretch>
+            <a:fillRect/>
+          </a:stretch>
+        </p:blipFill>
+        <p:spPr bwMode="auto">
+          <a:xfrm>
+            <a:off x="3357262" y="2204864"/>
+            <a:ext cx="2381250" cy="2028825"/>
+          </a:xfrm>
+          <a:prstGeom prst="rect">
+            <a:avLst/>
+          </a:prstGeom>
+          <a:noFill/>
+          <a:ln>
+            <a:noFill/>
+          </a:ln>
+          <a:effectLst/>
+          <a:extLst>
+            <a:ext uri="{909E8E84-426E-40DD-AFC4-6F175D3DCCD1}">
+              <a14:hiddenFill xmlns:a14="http://schemas.microsoft.com/office/drawing/2010/main">
+                <a:solidFill>
+                  <a:schemeClr val="accent1"/>
+                </a:solidFill>
+              </a14:hiddenFill>
+            </a:ext>
+            <a:ext uri="{91240B29-F687-4F45-9708-019B960494DF}">
+              <a14:hiddenLine xmlns:a14="http://schemas.microsoft.com/office/drawing/2010/main" w="9525">
+                <a:solidFill>
+                  <a:schemeClr val="tx1"/>
+                </a:solidFill>
+                <a:miter lim="800000"/>
+                <a:headEnd/>
+                <a:tailEnd/>
+              </a14:hiddenLine>
+            </a:ext>
+            <a:ext uri="{AF507438-7753-43E0-B8FC-AC1667EBCBE1}">
+              <a14:hiddenEffects xmlns:a14="http://schemas.microsoft.com/office/drawing/2010/main">
+                <a:effectLst>
+                  <a:outerShdw dist="35921" dir="2700000" algn="ctr" rotWithShape="0">
+                    <a:schemeClr val="bg2"/>
+                  </a:outerShdw>
+                </a:effectLst>
+              </a14:hiddenEffects>
+            </a:ext>
+          </a:extLst>
+        </p:spPr>
+      </p:pic>
+      <p:pic>
+        <p:nvPicPr>
+          <p:cNvPr id="1026" name="Picture 2"/>
+          <p:cNvPicPr>
+            <a:picLocks noChangeAspect="1" noChangeArrowheads="1"/>
+          </p:cNvPicPr>
+          <p:nvPr/>
+        </p:nvPicPr>
+        <p:blipFill>
+          <a:blip r:embed="rId4">
+            <a:extLst>
+              <a:ext uri="{28A0092B-C50C-407E-A947-70E740481C1C}">
+                <a14:useLocalDpi xmlns:a14="http://schemas.microsoft.com/office/drawing/2010/main" val="0"/>
+              </a:ext>
+            </a:extLst>
+          </a:blip>
+          <a:srcRect/>
+          <a:stretch>
+            <a:fillRect/>
+          </a:stretch>
+        </p:blipFill>
+        <p:spPr bwMode="auto">
+          <a:xfrm>
+            <a:off x="0" y="4581128"/>
+            <a:ext cx="9433049" cy="869956"/>
+          </a:xfrm>
+          <a:prstGeom prst="rect">
+            <a:avLst/>
+          </a:prstGeom>
+          <a:noFill/>
+          <a:ln>
+            <a:noFill/>
+          </a:ln>
+          <a:effectLst/>
+          <a:extLst>
+            <a:ext uri="{909E8E84-426E-40DD-AFC4-6F175D3DCCD1}">
+              <a14:hiddenFill xmlns:a14="http://schemas.microsoft.com/office/drawing/2010/main">
+                <a:solidFill>
+                  <a:schemeClr val="accent1"/>
+                </a:solidFill>
+              </a14:hiddenFill>
+            </a:ext>
+            <a:ext uri="{91240B29-F687-4F45-9708-019B960494DF}">
+              <a14:hiddenLine xmlns:a14="http://schemas.microsoft.com/office/drawing/2010/main" w="9525">
+                <a:solidFill>
+                  <a:schemeClr val="tx1"/>
+                </a:solidFill>
+                <a:miter lim="800000"/>
+                <a:headEnd/>
+                <a:tailEnd/>
+              </a14:hiddenLine>
+            </a:ext>
+            <a:ext uri="{AF507438-7753-43E0-B8FC-AC1667EBCBE1}">
+              <a14:hiddenEffects xmlns:a14="http://schemas.microsoft.com/office/drawing/2010/main">
+                <a:effectLst>
+                  <a:outerShdw dist="35921" dir="2700000" algn="ctr" rotWithShape="0">
+                    <a:schemeClr val="bg2"/>
+                  </a:outerShdw>
+                </a:effectLst>
+              </a14:hiddenEffects>
+            </a:ext>
+          </a:extLst>
+        </p:spPr>
+      </p:pic>
+      <p:sp>
+        <p:nvSpPr>
+          <p:cNvPr id="5" name="内容占位符 2"/>
+          <p:cNvSpPr>
+            <a:spLocks noGrp="1"/>
+          </p:cNvSpPr>
+          <p:nvPr>
+            <p:ph idx="1"/>
+          </p:nvPr>
+        </p:nvSpPr>
+        <p:spPr>
+          <a:xfrm>
+            <a:off x="323528" y="5589240"/>
+            <a:ext cx="8229600" cy="3672408"/>
+          </a:xfrm>
+        </p:spPr>
+        <p:txBody>
+          <a:bodyPr>
+            <a:normAutofit/>
+          </a:bodyPr>
+          <a:lstStyle/>
+          <a:p>
+            <a:pPr marL="0" indent="0">
+              <a:buNone/>
+            </a:pPr>
+            <a:r>
+              <a:rPr lang="en-US" altLang="zh-CN" sz="2000" dirty="0" smtClean="0"/>
+              <a:t>Now we find ways to estimate p</a:t>
+            </a:r>
+            <a:r>
+              <a:rPr lang="en-US" altLang="zh-CN" sz="2000" baseline="-25000" dirty="0" smtClean="0"/>
+              <a:t>i</a:t>
+            </a:r>
+            <a:endParaRPr lang="zh-CN" altLang="en-US" baseline="-25000" dirty="0" smtClean="0"/>
+          </a:p>
+          <a:p>
+            <a:pPr marL="0" indent="0">
+              <a:buNone/>
+            </a:pPr>
+            <a:r>
+              <a:rPr lang="zh-CN" altLang="en-US" dirty="0" smtClean="0"/>
+              <a:t>
+</a:t>
+            </a:r>
+            <a:endParaRPr lang="zh-CN" altLang="en-US" dirty="0"/>
+          </a:p>
+        </p:txBody>
+      </p:sp>
+    </p:spTree>
+    <p:extLst>
+      <p:ext uri="{BB962C8B-B14F-4D97-AF65-F5344CB8AC3E}">
+        <p14:creationId xmlns:p14="http://schemas.microsoft.com/office/powerpoint/2010/main" val="2648561824"/>
+      </p:ext>
+    </p:extLst>
+  </p:cSld>
+  <p:clrMapOvr>
+    <a:masterClrMapping/>
+  </p:clrMapOvr>
+</p:sld>
+</file>
+
+<file path=ppt/slides/slide8.xml><?xml version="1.0" encoding="utf-8"?>
+<p:sld xmlns:a="http://schemas.openxmlformats.org/drawingml/2006/main" xmlns:r="http://schemas.openxmlformats.org/officeDocument/2006/relationships" xmlns:p="http://schemas.openxmlformats.org/presentationml/2006/main">
+  <p:cSld>
+    <p:spTree>
+      <p:nvGrpSpPr>
+        <p:cNvPr id="1" name=""/>
+        <p:cNvGrpSpPr/>
+        <p:nvPr/>
+      </p:nvGrpSpPr>
+      <p:grpSpPr>
+        <a:xfrm>
+          <a:off x="0" y="0"/>
+          <a:ext cx="0" cy="0"/>
+          <a:chOff x="0" y="0"/>
+          <a:chExt cx="0" cy="0"/>
+        </a:xfrm>
+      </p:grpSpPr>
+      <p:pic>
+        <p:nvPicPr>
+          <p:cNvPr id="2050" name="Picture 2"/>
+          <p:cNvPicPr>
+            <a:picLocks noChangeAspect="1" noChangeArrowheads="1"/>
+          </p:cNvPicPr>
+          <p:nvPr/>
+        </p:nvPicPr>
+        <p:blipFill>
+          <a:blip r:embed="rId2">
+            <a:extLst>
+              <a:ext uri="{28A0092B-C50C-407E-A947-70E740481C1C}">
+                <a14:useLocalDpi xmlns:a14="http://schemas.microsoft.com/office/drawing/2010/main" val="0"/>
+              </a:ext>
+            </a:extLst>
+          </a:blip>
+          <a:srcRect/>
+          <a:stretch>
+            <a:fillRect/>
+          </a:stretch>
+        </p:blipFill>
+        <p:spPr bwMode="auto">
+          <a:xfrm>
+            <a:off x="1907704" y="692696"/>
+            <a:ext cx="4114800" cy="1438275"/>
+          </a:xfrm>
+          <a:prstGeom prst="rect">
+            <a:avLst/>
+          </a:prstGeom>
+          <a:noFill/>
+          <a:ln>
+            <a:noFill/>
+          </a:ln>
+          <a:effectLst/>
+          <a:extLst>
+            <a:ext uri="{909E8E84-426E-40DD-AFC4-6F175D3DCCD1}">
+              <a14:hiddenFill xmlns:a14="http://schemas.microsoft.com/office/drawing/2010/main">
+                <a:solidFill>
+                  <a:schemeClr val="accent1"/>
+                </a:solidFill>
+              </a14:hiddenFill>
+            </a:ext>
+            <a:ext uri="{91240B29-F687-4F45-9708-019B960494DF}">
+              <a14:hiddenLine xmlns:a14="http://schemas.microsoft.com/office/drawing/2010/main" w="9525">
+                <a:solidFill>
+                  <a:schemeClr val="tx1"/>
+                </a:solidFill>
+                <a:miter lim="800000"/>
+                <a:headEnd/>
+                <a:tailEnd/>
+              </a14:hiddenLine>
+            </a:ext>
+            <a:ext uri="{AF507438-7753-43E0-B8FC-AC1667EBCBE1}">
+              <a14:hiddenEffects xmlns:a14="http://schemas.microsoft.com/office/drawing/2010/main">
+                <a:effectLst>
+                  <a:outerShdw dist="35921" dir="2700000" algn="ctr" rotWithShape="0">
+                    <a:schemeClr val="bg2"/>
+                  </a:outerShdw>
+                </a:effectLst>
+              </a14:hiddenEffects>
+            </a:ext>
+          </a:extLst>
+        </p:spPr>
+      </p:pic>
+      <p:sp>
+        <p:nvSpPr>
+          <p:cNvPr id="5" name="内容占位符 2"/>
+          <p:cNvSpPr>
+            <a:spLocks noGrp="1"/>
+          </p:cNvSpPr>
+          <p:nvPr>
+            <p:ph idx="1"/>
+          </p:nvPr>
+        </p:nvSpPr>
+        <p:spPr>
+          <a:xfrm>
+            <a:off x="323528" y="260648"/>
+            <a:ext cx="8229600" cy="5400600"/>
+          </a:xfrm>
+        </p:spPr>
+        <p:txBody>
+          <a:bodyPr>
+            <a:normAutofit/>
+          </a:bodyPr>
+          <a:lstStyle/>
+          <a:p>
+            <a:pPr marL="0" indent="0">
+              <a:buNone/>
+            </a:pPr>
+            <a:r>
+              <a:rPr lang="en-US" altLang="zh-CN" sz="2000" dirty="0" smtClean="0"/>
+              <a:t>We have</a:t>
+            </a:r>
+          </a:p>
+          <a:p>
+            <a:pPr marL="0" indent="0">
+              <a:buNone/>
+            </a:pPr>
+            <a:endParaRPr lang="en-US" altLang="zh-CN" sz="2000" baseline="-25000" dirty="0"/>
+          </a:p>
+          <a:p>
+            <a:pPr marL="0" indent="0">
+              <a:buNone/>
+            </a:pPr>
+            <a:endParaRPr lang="en-US" altLang="zh-CN" sz="2000" baseline="-25000" dirty="0" smtClean="0"/>
+          </a:p>
+          <a:p>
+            <a:pPr marL="0" indent="0">
+              <a:buNone/>
+            </a:pPr>
+            <a:endParaRPr lang="en-US" altLang="zh-CN" sz="2000" baseline="-25000" dirty="0"/>
+          </a:p>
+          <a:p>
+            <a:pPr marL="0" indent="0">
+              <a:buNone/>
+            </a:pPr>
+            <a:endParaRPr lang="en-US" altLang="zh-CN" sz="2000" baseline="-25000" dirty="0" smtClean="0"/>
+          </a:p>
+          <a:p>
+            <a:pPr marL="0" indent="0">
+              <a:buNone/>
+            </a:pPr>
+            <a:endParaRPr lang="en-US" altLang="zh-CN" sz="2000" baseline="-25000" dirty="0"/>
+          </a:p>
+          <a:p>
+            <a:pPr marL="0" indent="0">
+              <a:buNone/>
+            </a:pPr>
+            <a:endParaRPr lang="en-US" altLang="zh-CN" sz="2000" baseline="-25000" dirty="0"/>
+          </a:p>
+          <a:p>
+            <a:pPr marL="0" indent="0">
+              <a:buNone/>
+            </a:pPr>
+            <a:r>
+              <a:rPr lang="en-US" altLang="zh-CN" sz="2000" dirty="0" smtClean="0"/>
+              <a:t>We get p</a:t>
+            </a:r>
+            <a:r>
+              <a:rPr lang="en-US" altLang="zh-CN" sz="2000" baseline="-25000" dirty="0" smtClean="0"/>
+              <a:t>i</a:t>
+            </a:r>
+            <a:r>
+              <a:rPr lang="en-US" altLang="zh-CN" sz="2000" dirty="0"/>
+              <a:t> </a:t>
+            </a:r>
+            <a:r>
+              <a:rPr lang="en-US" altLang="zh-CN" sz="2000" dirty="0" smtClean="0"/>
+              <a:t>&gt;= ½, so we don’t need </a:t>
+            </a:r>
+            <a:r>
+              <a:rPr lang="en-US" altLang="zh-CN" sz="2000" dirty="0" smtClean="0"/>
+              <a:t>so many </a:t>
+            </a:r>
+            <a:r>
+              <a:rPr lang="en-US" altLang="zh-CN" sz="2000" dirty="0" smtClean="0"/>
+              <a:t>samples</a:t>
+            </a:r>
+            <a:endParaRPr lang="zh-CN" altLang="en-US" dirty="0" smtClean="0"/>
+          </a:p>
+          <a:p>
+            <a:pPr marL="0" indent="0">
+              <a:buNone/>
+            </a:pPr>
+            <a:r>
+              <a:rPr lang="en-US" altLang="zh-CN" sz="2000" dirty="0"/>
+              <a:t>We sample </a:t>
+            </a:r>
+            <a:r>
+              <a:rPr lang="en-US" altLang="zh-CN" sz="2000" dirty="0"/>
+              <a:t>from</a:t>
+            </a:r>
+            <a:r>
+              <a:rPr lang="en-US" altLang="zh-CN" sz="2000" dirty="0"/>
+              <a:t> </a:t>
+            </a:r>
+            <a:r>
+              <a:rPr lang="en-US" altLang="zh-CN" sz="2000" dirty="0" smtClean="0"/>
+              <a:t>a distribution                       from the uniform distribution</a:t>
+            </a:r>
+          </a:p>
+          <a:p>
+            <a:pPr marL="0" indent="0">
+              <a:buNone/>
+            </a:pPr>
+            <a:r>
+              <a:rPr lang="en-US" altLang="zh-CN" sz="2000" dirty="0" smtClean="0"/>
+              <a:t>Draw s random samples, let q</a:t>
+            </a:r>
+            <a:r>
+              <a:rPr lang="en-US" altLang="zh-CN" sz="2000" baseline="-25000" dirty="0" smtClean="0"/>
+              <a:t>i</a:t>
+            </a:r>
+            <a:r>
+              <a:rPr lang="en-US" altLang="zh-CN" sz="2000" dirty="0" smtClean="0"/>
+              <a:t> denote the ratio of </a:t>
+            </a:r>
+            <a:r>
+              <a:rPr lang="en-US" altLang="zh-CN" sz="2000" dirty="0" err="1" smtClean="0"/>
+              <a:t>matchings</a:t>
+            </a:r>
+            <a:r>
+              <a:rPr lang="en-US" altLang="zh-CN" sz="2000" dirty="0" smtClean="0"/>
+              <a:t> of G</a:t>
+            </a:r>
+            <a:r>
+              <a:rPr lang="en-US" altLang="zh-CN" sz="2000" baseline="-25000" dirty="0" smtClean="0"/>
+              <a:t>i+1</a:t>
+            </a:r>
+            <a:r>
+              <a:rPr lang="en-US" altLang="zh-CN" sz="2000" dirty="0" smtClean="0"/>
+              <a:t>in </a:t>
+            </a:r>
+            <a:r>
+              <a:rPr lang="en-US" altLang="zh-CN" sz="2000" dirty="0" err="1" smtClean="0"/>
+              <a:t>G</a:t>
+            </a:r>
+            <a:r>
+              <a:rPr lang="en-US" altLang="zh-CN" sz="2000" baseline="-25000" dirty="0" err="1" smtClean="0"/>
+              <a:t>i</a:t>
+            </a:r>
+            <a:endParaRPr lang="en-US" altLang="zh-CN" sz="2000" dirty="0"/>
+          </a:p>
+          <a:p>
+            <a:pPr marL="0" indent="0">
+              <a:buNone/>
+            </a:pPr>
+            <a:r>
+              <a:rPr lang="en-US" altLang="zh-CN" sz="2000" dirty="0" smtClean="0"/>
+              <a:t>Let</a:t>
+            </a:r>
+          </a:p>
+          <a:p>
+            <a:pPr marL="0" indent="0">
+              <a:buNone/>
+            </a:pPr>
+            <a:endParaRPr lang="en-US" altLang="zh-CN" sz="2000" dirty="0"/>
+          </a:p>
+          <a:p>
+            <a:pPr marL="0" indent="0">
+              <a:buNone/>
+            </a:pPr>
+            <a:r>
+              <a:rPr lang="en-US" altLang="zh-CN" sz="2000" dirty="0" smtClean="0"/>
+              <a:t>Then we have</a:t>
+            </a:r>
+            <a:r>
+              <a:rPr lang="zh-CN" altLang="en-US" sz="2000" dirty="0" smtClean="0"/>
+              <a:t>
+</a:t>
+            </a:r>
+            <a:endParaRPr lang="zh-CN" altLang="en-US" sz="2000" dirty="0"/>
+          </a:p>
+        </p:txBody>
+      </p:sp>
+      <p:pic>
+        <p:nvPicPr>
+          <p:cNvPr id="1026" name="Picture 2"/>
+          <p:cNvPicPr>
+            <a:picLocks noChangeAspect="1" noChangeArrowheads="1"/>
+          </p:cNvPicPr>
+          <p:nvPr/>
+        </p:nvPicPr>
+        <p:blipFill>
+          <a:blip r:embed="rId3">
+            <a:extLst>
+              <a:ext uri="{28A0092B-C50C-407E-A947-70E740481C1C}">
+                <a14:useLocalDpi xmlns:a14="http://schemas.microsoft.com/office/drawing/2010/main" val="0"/>
+              </a:ext>
+            </a:extLst>
+          </a:blip>
+          <a:srcRect/>
+          <a:stretch>
+            <a:fillRect/>
+          </a:stretch>
+        </p:blipFill>
+        <p:spPr bwMode="auto">
+          <a:xfrm>
+            <a:off x="3563888" y="2492896"/>
+            <a:ext cx="1295400" cy="361950"/>
+          </a:xfrm>
+          <a:prstGeom prst="rect">
+            <a:avLst/>
+          </a:prstGeom>
+          <a:noFill/>
+          <a:ln>
+            <a:noFill/>
+          </a:ln>
+          <a:effectLst/>
+          <a:extLst>
+            <a:ext uri="{909E8E84-426E-40DD-AFC4-6F175D3DCCD1}">
+              <a14:hiddenFill xmlns:a14="http://schemas.microsoft.com/office/drawing/2010/main">
+                <a:solidFill>
+                  <a:schemeClr val="accent1"/>
+                </a:solidFill>
+              </a14:hiddenFill>
+            </a:ext>
+            <a:ext uri="{91240B29-F687-4F45-9708-019B960494DF}">
+              <a14:hiddenLine xmlns:a14="http://schemas.microsoft.com/office/drawing/2010/main" w="9525">
+                <a:solidFill>
+                  <a:schemeClr val="tx1"/>
+                </a:solidFill>
+                <a:miter lim="800000"/>
+                <a:headEnd/>
+                <a:tailEnd/>
+              </a14:hiddenLine>
+            </a:ext>
+            <a:ext uri="{AF507438-7753-43E0-B8FC-AC1667EBCBE1}">
+              <a14:hiddenEffects xmlns:a14="http://schemas.microsoft.com/office/drawing/2010/main">
+                <a:effectLst>
+                  <a:outerShdw dist="35921" dir="2700000" algn="ctr" rotWithShape="0">
+                    <a:schemeClr val="bg2"/>
+                  </a:outerShdw>
+                </a:effectLst>
+              </a14:hiddenEffects>
+            </a:ext>
+          </a:extLst>
+        </p:spPr>
+      </p:pic>
+      <p:pic>
+        <p:nvPicPr>
+          <p:cNvPr id="1027" name="Picture 3"/>
+          <p:cNvPicPr>
+            <a:picLocks noChangeAspect="1" noChangeArrowheads="1"/>
+          </p:cNvPicPr>
+          <p:nvPr/>
+        </p:nvPicPr>
+        <p:blipFill>
+          <a:blip r:embed="rId4">
+            <a:extLst>
+              <a:ext uri="{28A0092B-C50C-407E-A947-70E740481C1C}">
+                <a14:useLocalDpi xmlns:a14="http://schemas.microsoft.com/office/drawing/2010/main" val="0"/>
+              </a:ext>
+            </a:extLst>
+          </a:blip>
+          <a:srcRect/>
+          <a:stretch>
+            <a:fillRect/>
+          </a:stretch>
+        </p:blipFill>
+        <p:spPr bwMode="auto">
+          <a:xfrm>
+            <a:off x="3491880" y="3429000"/>
+            <a:ext cx="1838325" cy="419100"/>
+          </a:xfrm>
+          <a:prstGeom prst="rect">
+            <a:avLst/>
+          </a:prstGeom>
+          <a:noFill/>
+          <a:ln>
+            <a:noFill/>
+          </a:ln>
+          <a:effectLst/>
+          <a:extLst>
+            <a:ext uri="{909E8E84-426E-40DD-AFC4-6F175D3DCCD1}">
+              <a14:hiddenFill xmlns:a14="http://schemas.microsoft.com/office/drawing/2010/main">
+                <a:solidFill>
+                  <a:schemeClr val="accent1"/>
+                </a:solidFill>
+              </a14:hiddenFill>
+            </a:ext>
+            <a:ext uri="{91240B29-F687-4F45-9708-019B960494DF}">
+              <a14:hiddenLine xmlns:a14="http://schemas.microsoft.com/office/drawing/2010/main" w="9525">
+                <a:solidFill>
+                  <a:schemeClr val="tx1"/>
+                </a:solidFill>
+                <a:miter lim="800000"/>
+                <a:headEnd/>
+                <a:tailEnd/>
+              </a14:hiddenLine>
+            </a:ext>
+            <a:ext uri="{AF507438-7753-43E0-B8FC-AC1667EBCBE1}">
+              <a14:hiddenEffects xmlns:a14="http://schemas.microsoft.com/office/drawing/2010/main">
+                <a:effectLst>
+                  <a:outerShdw dist="35921" dir="2700000" algn="ctr" rotWithShape="0">
+                    <a:schemeClr val="bg2"/>
+                  </a:outerShdw>
+                </a:effectLst>
+              </a14:hiddenEffects>
+            </a:ext>
+          </a:extLst>
+        </p:spPr>
+      </p:pic>
+      <p:pic>
+        <p:nvPicPr>
+          <p:cNvPr id="1028" name="Picture 4"/>
+          <p:cNvPicPr>
+            <a:picLocks noChangeAspect="1" noChangeArrowheads="1"/>
+          </p:cNvPicPr>
+          <p:nvPr/>
+        </p:nvPicPr>
+        <p:blipFill>
+          <a:blip r:embed="rId5">
+            <a:extLst>
+              <a:ext uri="{28A0092B-C50C-407E-A947-70E740481C1C}">
+                <a14:useLocalDpi xmlns:a14="http://schemas.microsoft.com/office/drawing/2010/main" val="0"/>
+              </a:ext>
+            </a:extLst>
+          </a:blip>
+          <a:srcRect/>
+          <a:stretch>
+            <a:fillRect/>
+          </a:stretch>
+        </p:blipFill>
+        <p:spPr bwMode="auto">
+          <a:xfrm>
+            <a:off x="2915815" y="4398685"/>
+            <a:ext cx="2847975" cy="523875"/>
+          </a:xfrm>
+          <a:prstGeom prst="rect">
+            <a:avLst/>
+          </a:prstGeom>
+          <a:noFill/>
+          <a:ln>
+            <a:noFill/>
+          </a:ln>
+          <a:effectLst/>
+          <a:extLst>
+            <a:ext uri="{909E8E84-426E-40DD-AFC4-6F175D3DCCD1}">
+              <a14:hiddenFill xmlns:a14="http://schemas.microsoft.com/office/drawing/2010/main">
+                <a:solidFill>
+                  <a:schemeClr val="accent1"/>
+                </a:solidFill>
+              </a14:hiddenFill>
+            </a:ext>
+            <a:ext uri="{91240B29-F687-4F45-9708-019B960494DF}">
+              <a14:hiddenLine xmlns:a14="http://schemas.microsoft.com/office/drawing/2010/main" w="9525">
+                <a:solidFill>
+                  <a:schemeClr val="tx1"/>
+                </a:solidFill>
+                <a:miter lim="800000"/>
+                <a:headEnd/>
+                <a:tailEnd/>
+              </a14:hiddenLine>
+            </a:ext>
+            <a:ext uri="{AF507438-7753-43E0-B8FC-AC1667EBCBE1}">
+              <a14:hiddenEffects xmlns:a14="http://schemas.microsoft.com/office/drawing/2010/main">
+                <a:effectLst>
+                  <a:outerShdw dist="35921" dir="2700000" algn="ctr" rotWithShape="0">
+                    <a:schemeClr val="bg2"/>
+                  </a:outerShdw>
+                </a:effectLst>
+              </a14:hiddenEffects>
+            </a:ext>
+          </a:extLst>
+        </p:spPr>
+      </p:pic>
+      <p:pic>
+        <p:nvPicPr>
+          <p:cNvPr id="1029" name="Picture 5"/>
+          <p:cNvPicPr>
+            <a:picLocks noChangeAspect="1" noChangeArrowheads="1"/>
+          </p:cNvPicPr>
+          <p:nvPr/>
+        </p:nvPicPr>
+        <p:blipFill>
+          <a:blip r:embed="rId6">
+            <a:extLst>
+              <a:ext uri="{28A0092B-C50C-407E-A947-70E740481C1C}">
+                <a14:useLocalDpi xmlns:a14="http://schemas.microsoft.com/office/drawing/2010/main" val="0"/>
+              </a:ext>
+            </a:extLst>
+          </a:blip>
+          <a:srcRect/>
+          <a:stretch>
+            <a:fillRect/>
+          </a:stretch>
+        </p:blipFill>
+        <p:spPr bwMode="auto">
+          <a:xfrm>
+            <a:off x="214064" y="4922560"/>
+            <a:ext cx="8393956" cy="1817248"/>
+          </a:xfrm>
+          <a:prstGeom prst="rect">
+            <a:avLst/>
+          </a:prstGeom>
+          <a:noFill/>
+          <a:ln>
+            <a:noFill/>
+          </a:ln>
+          <a:effectLst/>
+          <a:extLst>
+            <a:ext uri="{909E8E84-426E-40DD-AFC4-6F175D3DCCD1}">
+              <a14:hiddenFill xmlns:a14="http://schemas.microsoft.com/office/drawing/2010/main">
+                <a:solidFill>
+                  <a:schemeClr val="accent1"/>
+                </a:solidFill>
+              </a14:hiddenFill>
+            </a:ext>
+            <a:ext uri="{91240B29-F687-4F45-9708-019B960494DF}">
+              <a14:hiddenLine xmlns:a14="http://schemas.microsoft.com/office/drawing/2010/main" w="9525">
+                <a:solidFill>
+                  <a:schemeClr val="tx1"/>
+                </a:solidFill>
+                <a:miter lim="800000"/>
+                <a:headEnd/>
+                <a:tailEnd/>
+              </a14:hiddenLine>
+            </a:ext>
+            <a:ext uri="{AF507438-7753-43E0-B8FC-AC1667EBCBE1}">
+              <a14:hiddenEffects xmlns:a14="http://schemas.microsoft.com/office/drawing/2010/main">
+                <a:effectLst>
+                  <a:outerShdw dist="35921" dir="2700000" algn="ctr" rotWithShape="0">
+                    <a:schemeClr val="bg2"/>
+                  </a:outerShdw>
+                </a:effectLst>
+              </a14:hiddenEffects>
+            </a:ext>
+          </a:extLst>
+        </p:spPr>
+      </p:pic>
+    </p:spTree>
+    <p:extLst>
+      <p:ext uri="{BB962C8B-B14F-4D97-AF65-F5344CB8AC3E}">
+        <p14:creationId xmlns:p14="http://schemas.microsoft.com/office/powerpoint/2010/main" val="477300137"/>
+      </p:ext>
+    </p:extLst>
+  </p:cSld>
+  <p:clrMapOvr>
+    <a:masterClrMapping/>
+  </p:clrMapOvr>
+  <p:timing>
+    <p:tnLst>
+      <p:par>
+        <p:cTn id="1" dur="indefinite" restart="never" nodeType="tmRoot"/>
+      </p:par>
+    </p:tnLst>
+  </p:timing>
+</p:sld>
+</file>
+
+<file path=ppt/slides/slide9.xml><?xml version="1.0" encoding="utf-8"?>
+<p:sld xmlns:a="http://schemas.openxmlformats.org/drawingml/2006/main" xmlns:r="http://schemas.openxmlformats.org/officeDocument/2006/relationships" xmlns:p="http://schemas.openxmlformats.org/presentationml/2006/main">
+  <p:cSld>
+    <p:spTree>
+      <p:nvGrpSpPr>
+        <p:cNvPr id="1" name=""/>
+        <p:cNvGrpSpPr/>
+        <p:nvPr/>
+      </p:nvGrpSpPr>
+      <p:grpSpPr>
+        <a:xfrm>
+          <a:off x="0" y="0"/>
+          <a:ext cx="0" cy="0"/>
+          <a:chOff x="0" y="0"/>
+          <a:chExt cx="0" cy="0"/>
+        </a:xfrm>
+      </p:grpSpPr>
+      <p:pic>
+        <p:nvPicPr>
+          <p:cNvPr id="2052" name="Picture 4"/>
+          <p:cNvPicPr>
+            <a:picLocks noChangeAspect="1" noChangeArrowheads="1"/>
+          </p:cNvPicPr>
+          <p:nvPr/>
+        </p:nvPicPr>
+        <p:blipFill>
+          <a:blip r:embed="rId2">
+            <a:extLst>
+              <a:ext uri="{28A0092B-C50C-407E-A947-70E740481C1C}">
+                <a14:useLocalDpi xmlns:a14="http://schemas.microsoft.com/office/drawing/2010/main" val="0"/>
+              </a:ext>
+            </a:extLst>
+          </a:blip>
+          <a:srcRect/>
+          <a:stretch>
+            <a:fillRect/>
+          </a:stretch>
+        </p:blipFill>
+        <p:spPr bwMode="auto">
+          <a:xfrm>
+            <a:off x="209550" y="3299591"/>
+            <a:ext cx="8458200" cy="1409700"/>
+          </a:xfrm>
+          <a:prstGeom prst="rect">
+            <a:avLst/>
+          </a:prstGeom>
+          <a:noFill/>
+          <a:ln>
+            <a:noFill/>
+          </a:ln>
+          <a:effectLst/>
+          <a:extLst>
+            <a:ext uri="{909E8E84-426E-40DD-AFC4-6F175D3DCCD1}">
+              <a14:hiddenFill xmlns:a14="http://schemas.microsoft.com/office/drawing/2010/main">
+                <a:solidFill>
+                  <a:schemeClr val="accent1"/>
+                </a:solidFill>
+              </a14:hiddenFill>
+            </a:ext>
+            <a:ext uri="{91240B29-F687-4F45-9708-019B960494DF}">
+              <a14:hiddenLine xmlns:a14="http://schemas.microsoft.com/office/drawing/2010/main" w="9525">
+                <a:solidFill>
+                  <a:schemeClr val="tx1"/>
+                </a:solidFill>
+                <a:miter lim="800000"/>
+                <a:headEnd/>
+                <a:tailEnd/>
+              </a14:hiddenLine>
+            </a:ext>
+            <a:ext uri="{AF507438-7753-43E0-B8FC-AC1667EBCBE1}">
+              <a14:hiddenEffects xmlns:a14="http://schemas.microsoft.com/office/drawing/2010/main">
+                <a:effectLst>
+                  <a:outerShdw dist="35921" dir="2700000" algn="ctr" rotWithShape="0">
+                    <a:schemeClr val="bg2"/>
+                  </a:outerShdw>
+                </a:effectLst>
+              </a14:hiddenEffects>
+            </a:ext>
+          </a:extLst>
+        </p:spPr>
+      </p:pic>
+      <p:sp>
+        <p:nvSpPr>
+          <p:cNvPr id="2" name="标题 1"/>
+          <p:cNvSpPr>
+            <a:spLocks noGrp="1"/>
+          </p:cNvSpPr>
+          <p:nvPr>
+            <p:ph type="title"/>
+          </p:nvPr>
+        </p:nvSpPr>
+        <p:spPr/>
+        <p:txBody>
+          <a:bodyPr>
+            <a:normAutofit fontScale="90000"/>
+          </a:bodyPr>
+          <a:lstStyle/>
+          <a:p>
+            <a:r>
+              <a:rPr lang="en-US" altLang="zh-CN" dirty="0"/>
+              <a:t>3.Introduce the Markov chain</a:t>
+            </a:r>
+            <a:br>
+              <a:rPr lang="en-US" altLang="zh-CN" dirty="0"/>
+            </a:br>
+            <a:endParaRPr lang="zh-CN" altLang="en-US" dirty="0"/>
+          </a:p>
+        </p:txBody>
+      </p:sp>
+      <p:pic>
+        <p:nvPicPr>
+          <p:cNvPr id="2050" name="Picture 2"/>
+          <p:cNvPicPr>
+            <a:picLocks noChangeAspect="1" noChangeArrowheads="1"/>
+          </p:cNvPicPr>
+          <p:nvPr/>
+        </p:nvPicPr>
+        <p:blipFill>
+          <a:blip r:embed="rId3">
+            <a:extLst>
+              <a:ext uri="{28A0092B-C50C-407E-A947-70E740481C1C}">
+                <a14:useLocalDpi xmlns:a14="http://schemas.microsoft.com/office/drawing/2010/main" val="0"/>
+              </a:ext>
+            </a:extLst>
+          </a:blip>
+          <a:srcRect/>
+          <a:stretch>
+            <a:fillRect/>
+          </a:stretch>
+        </p:blipFill>
+        <p:spPr bwMode="auto">
+          <a:xfrm>
+            <a:off x="6280122" y="4004441"/>
+            <a:ext cx="2850629" cy="3148456"/>
+          </a:xfrm>
+          <a:prstGeom prst="rect">
+            <a:avLst/>
+          </a:prstGeom>
+          <a:noFill/>
+          <a:ln>
+            <a:noFill/>
+          </a:ln>
+          <a:effectLst/>
+          <a:extLst>
+            <a:ext uri="{909E8E84-426E-40DD-AFC4-6F175D3DCCD1}">
+              <a14:hiddenFill xmlns:a14="http://schemas.microsoft.com/office/drawing/2010/main">
+                <a:solidFill>
+                  <a:schemeClr val="accent1"/>
+                </a:solidFill>
+              </a14:hiddenFill>
+            </a:ext>
+            <a:ext uri="{91240B29-F687-4F45-9708-019B960494DF}">
+              <a14:hiddenLine xmlns:a14="http://schemas.microsoft.com/office/drawing/2010/main" w="9525">
+                <a:solidFill>
+                  <a:schemeClr val="tx1"/>
+                </a:solidFill>
+                <a:miter lim="800000"/>
+                <a:headEnd/>
+                <a:tailEnd/>
+              </a14:hiddenLine>
+            </a:ext>
+            <a:ext uri="{AF507438-7753-43E0-B8FC-AC1667EBCBE1}">
+              <a14:hiddenEffects xmlns:a14="http://schemas.microsoft.com/office/drawing/2010/main">
+                <a:effectLst>
+                  <a:outerShdw dist="35921" dir="2700000" algn="ctr" rotWithShape="0">
+                    <a:schemeClr val="bg2"/>
+                  </a:outerShdw>
+                </a:effectLst>
+              </a14:hiddenEffects>
+            </a:ext>
+          </a:extLst>
+        </p:spPr>
+      </p:pic>
+      <p:sp>
+        <p:nvSpPr>
+          <p:cNvPr id="4" name="内容占位符 3"/>
+          <p:cNvSpPr>
+            <a:spLocks noGrp="1"/>
+          </p:cNvSpPr>
+          <p:nvPr>
+            <p:ph idx="1"/>
+          </p:nvPr>
+        </p:nvSpPr>
+        <p:spPr/>
+        <p:txBody>
+          <a:bodyPr/>
+          <a:lstStyle/>
+          <a:p>
+            <a:endParaRPr lang="zh-CN" altLang="en-US" dirty="0"/>
+          </a:p>
+        </p:txBody>
+      </p:sp>
+      <p:pic>
+        <p:nvPicPr>
+          <p:cNvPr id="2051" name="Picture 3"/>
+          <p:cNvPicPr>
+            <a:picLocks noChangeAspect="1" noChangeArrowheads="1"/>
+          </p:cNvPicPr>
+          <p:nvPr/>
+        </p:nvPicPr>
+        <p:blipFill>
+          <a:blip r:embed="rId4">
+            <a:extLst>
+              <a:ext uri="{28A0092B-C50C-407E-A947-70E740481C1C}">
+                <a14:useLocalDpi xmlns:a14="http://schemas.microsoft.com/office/drawing/2010/main" val="0"/>
+              </a:ext>
+            </a:extLst>
+          </a:blip>
+          <a:srcRect/>
+          <a:stretch>
+            <a:fillRect/>
+          </a:stretch>
+        </p:blipFill>
+        <p:spPr bwMode="auto">
+          <a:xfrm>
+            <a:off x="209550" y="764704"/>
+            <a:ext cx="8724900" cy="2390775"/>
+          </a:xfrm>
+          <a:prstGeom prst="rect">
+            <a:avLst/>
+          </a:prstGeom>
+          <a:noFill/>
+          <a:ln>
+            <a:noFill/>
+          </a:ln>
+          <a:effectLst/>
+          <a:extLst>
+            <a:ext uri="{909E8E84-426E-40DD-AFC4-6F175D3DCCD1}">
+              <a14:hiddenFill xmlns:a14="http://schemas.microsoft.com/office/drawing/2010/main">
+                <a:solidFill>
+                  <a:schemeClr val="accent1"/>
+                </a:solidFill>
+              </a14:hiddenFill>
+            </a:ext>
+            <a:ext uri="{91240B29-F687-4F45-9708-019B960494DF}">
+              <a14:hiddenLine xmlns:a14="http://schemas.microsoft.com/office/drawing/2010/main" w="9525">
+                <a:solidFill>
+                  <a:schemeClr val="tx1"/>
+                </a:solidFill>
+                <a:miter lim="800000"/>
+                <a:headEnd/>
+                <a:tailEnd/>
+              </a14:hiddenLine>
+            </a:ext>
+            <a:ext uri="{AF507438-7753-43E0-B8FC-AC1667EBCBE1}">
+              <a14:hiddenEffects xmlns:a14="http://schemas.microsoft.com/office/drawing/2010/main">
+                <a:effectLst>
+                  <a:outerShdw dist="35921" dir="2700000" algn="ctr" rotWithShape="0">
+                    <a:schemeClr val="bg2"/>
+                  </a:outerShdw>
+                </a:effectLst>
+              </a14:hiddenEffects>
+            </a:ext>
+          </a:extLst>
+        </p:spPr>
+      </p:pic>
+    </p:spTree>
+    <p:extLst>
+      <p:ext uri="{BB962C8B-B14F-4D97-AF65-F5344CB8AC3E}">
+        <p14:creationId xmlns:p14="http://schemas.microsoft.com/office/powerpoint/2010/main" val="448948934"/>
       </p:ext>
     </p:extLst>
   </p:cSld>
